--- a/Gradle and java 11.pptx
+++ b/Gradle and java 11.pptx
@@ -250,7 +250,7 @@
           <a:p>
             <a:fld id="{36791859-60FA-4D48-8AE1-AB47EAA74624}" type="datetimeFigureOut">
               <a:rPr lang="vi-VN" smtClean="0"/>
-              <a:t>11/01/2021</a:t>
+              <a:t>15/01/2021</a:t>
             </a:fld>
             <a:endParaRPr lang="vi-VN"/>
           </a:p>
@@ -420,7 +420,7 @@
           <a:p>
             <a:fld id="{36791859-60FA-4D48-8AE1-AB47EAA74624}" type="datetimeFigureOut">
               <a:rPr lang="vi-VN" smtClean="0"/>
-              <a:t>11/01/2021</a:t>
+              <a:t>15/01/2021</a:t>
             </a:fld>
             <a:endParaRPr lang="vi-VN"/>
           </a:p>
@@ -600,7 +600,7 @@
           <a:p>
             <a:fld id="{36791859-60FA-4D48-8AE1-AB47EAA74624}" type="datetimeFigureOut">
               <a:rPr lang="vi-VN" smtClean="0"/>
-              <a:t>11/01/2021</a:t>
+              <a:t>15/01/2021</a:t>
             </a:fld>
             <a:endParaRPr lang="vi-VN"/>
           </a:p>
@@ -770,7 +770,7 @@
           <a:p>
             <a:fld id="{36791859-60FA-4D48-8AE1-AB47EAA74624}" type="datetimeFigureOut">
               <a:rPr lang="vi-VN" smtClean="0"/>
-              <a:t>11/01/2021</a:t>
+              <a:t>15/01/2021</a:t>
             </a:fld>
             <a:endParaRPr lang="vi-VN"/>
           </a:p>
@@ -1016,7 +1016,7 @@
           <a:p>
             <a:fld id="{36791859-60FA-4D48-8AE1-AB47EAA74624}" type="datetimeFigureOut">
               <a:rPr lang="vi-VN" smtClean="0"/>
-              <a:t>11/01/2021</a:t>
+              <a:t>15/01/2021</a:t>
             </a:fld>
             <a:endParaRPr lang="vi-VN"/>
           </a:p>
@@ -1248,7 +1248,7 @@
           <a:p>
             <a:fld id="{36791859-60FA-4D48-8AE1-AB47EAA74624}" type="datetimeFigureOut">
               <a:rPr lang="vi-VN" smtClean="0"/>
-              <a:t>11/01/2021</a:t>
+              <a:t>15/01/2021</a:t>
             </a:fld>
             <a:endParaRPr lang="vi-VN"/>
           </a:p>
@@ -1615,7 +1615,7 @@
           <a:p>
             <a:fld id="{36791859-60FA-4D48-8AE1-AB47EAA74624}" type="datetimeFigureOut">
               <a:rPr lang="vi-VN" smtClean="0"/>
-              <a:t>11/01/2021</a:t>
+              <a:t>15/01/2021</a:t>
             </a:fld>
             <a:endParaRPr lang="vi-VN"/>
           </a:p>
@@ -1733,7 +1733,7 @@
           <a:p>
             <a:fld id="{36791859-60FA-4D48-8AE1-AB47EAA74624}" type="datetimeFigureOut">
               <a:rPr lang="vi-VN" smtClean="0"/>
-              <a:t>11/01/2021</a:t>
+              <a:t>15/01/2021</a:t>
             </a:fld>
             <a:endParaRPr lang="vi-VN"/>
           </a:p>
@@ -1828,7 +1828,7 @@
           <a:p>
             <a:fld id="{36791859-60FA-4D48-8AE1-AB47EAA74624}" type="datetimeFigureOut">
               <a:rPr lang="vi-VN" smtClean="0"/>
-              <a:t>11/01/2021</a:t>
+              <a:t>15/01/2021</a:t>
             </a:fld>
             <a:endParaRPr lang="vi-VN"/>
           </a:p>
@@ -2105,7 +2105,7 @@
           <a:p>
             <a:fld id="{36791859-60FA-4D48-8AE1-AB47EAA74624}" type="datetimeFigureOut">
               <a:rPr lang="vi-VN" smtClean="0"/>
-              <a:t>11/01/2021</a:t>
+              <a:t>15/01/2021</a:t>
             </a:fld>
             <a:endParaRPr lang="vi-VN"/>
           </a:p>
@@ -2358,7 +2358,7 @@
           <a:p>
             <a:fld id="{36791859-60FA-4D48-8AE1-AB47EAA74624}" type="datetimeFigureOut">
               <a:rPr lang="vi-VN" smtClean="0"/>
-              <a:t>11/01/2021</a:t>
+              <a:t>15/01/2021</a:t>
             </a:fld>
             <a:endParaRPr lang="vi-VN"/>
           </a:p>
@@ -2571,7 +2571,7 @@
           <a:p>
             <a:fld id="{36791859-60FA-4D48-8AE1-AB47EAA74624}" type="datetimeFigureOut">
               <a:rPr lang="vi-VN" smtClean="0"/>
-              <a:t>11/01/2021</a:t>
+              <a:t>15/01/2021</a:t>
             </a:fld>
             <a:endParaRPr lang="vi-VN"/>
           </a:p>
@@ -3968,7 +3968,9 @@
         </p:nvSpPr>
         <p:spPr/>
         <p:txBody>
-          <a:bodyPr/>
+          <a:bodyPr>
+            <a:normAutofit fontScale="92500" lnSpcReduction="20000"/>
+          </a:bodyPr>
           <a:lstStyle/>
           <a:p>
             <a:r>
@@ -4088,8 +4090,79 @@
             </a:r>
             <a:r>
               <a:rPr lang="en-US" dirty="0"/>
-              <a:t> build files you need,</a:t>
-            </a:r>
+              <a:t> build files you </a:t>
+            </a:r>
+            <a:r>
+              <a:rPr lang="en-US" dirty="0" smtClean="0"/>
+              <a:t>need</a:t>
+            </a:r>
+            <a:endParaRPr lang="en-US" dirty="0"/>
+          </a:p>
+          <a:p>
+            <a:pPr lvl="1"/>
+            <a:r>
+              <a:rPr lang="en-US" dirty="0" smtClean="0"/>
+              <a:t>Include</a:t>
+            </a:r>
+          </a:p>
+          <a:p>
+            <a:pPr lvl="2"/>
+            <a:r>
+              <a:rPr lang="en-US" dirty="0"/>
+              <a:t>All the custom repositories that are specified in the POM</a:t>
+            </a:r>
+          </a:p>
+          <a:p>
+            <a:pPr lvl="2"/>
+            <a:r>
+              <a:rPr lang="en-US" dirty="0"/>
+              <a:t>Your external and inter-project dependencies</a:t>
+            </a:r>
+          </a:p>
+          <a:p>
+            <a:pPr lvl="2"/>
+            <a:r>
+              <a:rPr lang="en-US" smtClean="0"/>
+              <a:t>The </a:t>
+            </a:r>
+            <a:r>
+              <a:rPr lang="en-US" dirty="0"/>
+              <a:t>appropriate plugins to build the project (limited to one or more of the </a:t>
+            </a:r>
+            <a:r>
+              <a:rPr lang="en-US" dirty="0">
+                <a:hlinkClick r:id="rId4"/>
+              </a:rPr>
+              <a:t>Maven Publish</a:t>
+            </a:r>
+            <a:r>
+              <a:rPr lang="en-US" dirty="0"/>
+              <a:t>, </a:t>
+            </a:r>
+            <a:r>
+              <a:rPr lang="en-US" dirty="0">
+                <a:hlinkClick r:id="rId5"/>
+              </a:rPr>
+              <a:t>Java</a:t>
+            </a:r>
+            <a:r>
+              <a:rPr lang="en-US" dirty="0"/>
+              <a:t> and </a:t>
+            </a:r>
+            <a:r>
+              <a:rPr lang="en-US" dirty="0">
+                <a:hlinkClick r:id="rId6"/>
+              </a:rPr>
+              <a:t>War</a:t>
+            </a:r>
+            <a:r>
+              <a:rPr lang="en-US" dirty="0"/>
+              <a:t> Plugins)</a:t>
+            </a:r>
+          </a:p>
+          <a:p>
+            <a:pPr lvl="2"/>
+            <a:endParaRPr lang="en-US" dirty="0"/>
           </a:p>
         </p:txBody>
       </p:sp>

--- a/Gradle and java 11.pptx
+++ b/Gradle and java 11.pptx
@@ -13,6 +13,7 @@
     <p:sldId id="261" r:id="rId7"/>
     <p:sldId id="262" r:id="rId8"/>
     <p:sldId id="264" r:id="rId9"/>
+    <p:sldId id="265" r:id="rId10"/>
   </p:sldIdLst>
   <p:sldSz cx="12192000" cy="6858000"/>
   <p:notesSz cx="6858000" cy="9144000"/>
@@ -250,7 +251,7 @@
           <a:p>
             <a:fld id="{36791859-60FA-4D48-8AE1-AB47EAA74624}" type="datetimeFigureOut">
               <a:rPr lang="vi-VN" smtClean="0"/>
-              <a:t>15/01/2021</a:t>
+              <a:t>16/01/2021</a:t>
             </a:fld>
             <a:endParaRPr lang="vi-VN"/>
           </a:p>
@@ -420,7 +421,7 @@
           <a:p>
             <a:fld id="{36791859-60FA-4D48-8AE1-AB47EAA74624}" type="datetimeFigureOut">
               <a:rPr lang="vi-VN" smtClean="0"/>
-              <a:t>15/01/2021</a:t>
+              <a:t>16/01/2021</a:t>
             </a:fld>
             <a:endParaRPr lang="vi-VN"/>
           </a:p>
@@ -600,7 +601,7 @@
           <a:p>
             <a:fld id="{36791859-60FA-4D48-8AE1-AB47EAA74624}" type="datetimeFigureOut">
               <a:rPr lang="vi-VN" smtClean="0"/>
-              <a:t>15/01/2021</a:t>
+              <a:t>16/01/2021</a:t>
             </a:fld>
             <a:endParaRPr lang="vi-VN"/>
           </a:p>
@@ -770,7 +771,7 @@
           <a:p>
             <a:fld id="{36791859-60FA-4D48-8AE1-AB47EAA74624}" type="datetimeFigureOut">
               <a:rPr lang="vi-VN" smtClean="0"/>
-              <a:t>15/01/2021</a:t>
+              <a:t>16/01/2021</a:t>
             </a:fld>
             <a:endParaRPr lang="vi-VN"/>
           </a:p>
@@ -1016,7 +1017,7 @@
           <a:p>
             <a:fld id="{36791859-60FA-4D48-8AE1-AB47EAA74624}" type="datetimeFigureOut">
               <a:rPr lang="vi-VN" smtClean="0"/>
-              <a:t>15/01/2021</a:t>
+              <a:t>16/01/2021</a:t>
             </a:fld>
             <a:endParaRPr lang="vi-VN"/>
           </a:p>
@@ -1248,7 +1249,7 @@
           <a:p>
             <a:fld id="{36791859-60FA-4D48-8AE1-AB47EAA74624}" type="datetimeFigureOut">
               <a:rPr lang="vi-VN" smtClean="0"/>
-              <a:t>15/01/2021</a:t>
+              <a:t>16/01/2021</a:t>
             </a:fld>
             <a:endParaRPr lang="vi-VN"/>
           </a:p>
@@ -1615,7 +1616,7 @@
           <a:p>
             <a:fld id="{36791859-60FA-4D48-8AE1-AB47EAA74624}" type="datetimeFigureOut">
               <a:rPr lang="vi-VN" smtClean="0"/>
-              <a:t>15/01/2021</a:t>
+              <a:t>16/01/2021</a:t>
             </a:fld>
             <a:endParaRPr lang="vi-VN"/>
           </a:p>
@@ -1733,7 +1734,7 @@
           <a:p>
             <a:fld id="{36791859-60FA-4D48-8AE1-AB47EAA74624}" type="datetimeFigureOut">
               <a:rPr lang="vi-VN" smtClean="0"/>
-              <a:t>15/01/2021</a:t>
+              <a:t>16/01/2021</a:t>
             </a:fld>
             <a:endParaRPr lang="vi-VN"/>
           </a:p>
@@ -1828,7 +1829,7 @@
           <a:p>
             <a:fld id="{36791859-60FA-4D48-8AE1-AB47EAA74624}" type="datetimeFigureOut">
               <a:rPr lang="vi-VN" smtClean="0"/>
-              <a:t>15/01/2021</a:t>
+              <a:t>16/01/2021</a:t>
             </a:fld>
             <a:endParaRPr lang="vi-VN"/>
           </a:p>
@@ -2105,7 +2106,7 @@
           <a:p>
             <a:fld id="{36791859-60FA-4D48-8AE1-AB47EAA74624}" type="datetimeFigureOut">
               <a:rPr lang="vi-VN" smtClean="0"/>
-              <a:t>15/01/2021</a:t>
+              <a:t>16/01/2021</a:t>
             </a:fld>
             <a:endParaRPr lang="vi-VN"/>
           </a:p>
@@ -2358,7 +2359,7 @@
           <a:p>
             <a:fld id="{36791859-60FA-4D48-8AE1-AB47EAA74624}" type="datetimeFigureOut">
               <a:rPr lang="vi-VN" smtClean="0"/>
-              <a:t>15/01/2021</a:t>
+              <a:t>16/01/2021</a:t>
             </a:fld>
             <a:endParaRPr lang="vi-VN"/>
           </a:p>
@@ -2571,7 +2572,7 @@
           <a:p>
             <a:fld id="{36791859-60FA-4D48-8AE1-AB47EAA74624}" type="datetimeFigureOut">
               <a:rPr lang="vi-VN" smtClean="0"/>
-              <a:t>15/01/2021</a:t>
+              <a:t>16/01/2021</a:t>
             </a:fld>
             <a:endParaRPr lang="vi-VN"/>
           </a:p>
@@ -4122,46 +4123,17 @@
           <a:p>
             <a:pPr lvl="2"/>
             <a:r>
-              <a:rPr lang="en-US" smtClean="0"/>
+              <a:rPr lang="en-US" dirty="0" smtClean="0"/>
               <a:t>The </a:t>
             </a:r>
             <a:r>
               <a:rPr lang="en-US" dirty="0"/>
-              <a:t>appropriate plugins to build the project (limited to one or more of the </a:t>
-            </a:r>
-            <a:r>
-              <a:rPr lang="en-US" dirty="0">
-                <a:hlinkClick r:id="rId4"/>
-              </a:rPr>
-              <a:t>Maven Publish</a:t>
-            </a:r>
-            <a:r>
-              <a:rPr lang="en-US" dirty="0"/>
-              <a:t>, </a:t>
-            </a:r>
-            <a:r>
-              <a:rPr lang="en-US" dirty="0">
-                <a:hlinkClick r:id="rId5"/>
-              </a:rPr>
-              <a:t>Java</a:t>
-            </a:r>
-            <a:r>
-              <a:rPr lang="en-US" dirty="0"/>
-              <a:t> and </a:t>
-            </a:r>
-            <a:r>
-              <a:rPr lang="en-US" dirty="0">
-                <a:hlinkClick r:id="rId6"/>
-              </a:rPr>
-              <a:t>War</a:t>
-            </a:r>
-            <a:r>
-              <a:rPr lang="en-US" dirty="0"/>
-              <a:t> Plugins)</a:t>
-            </a:r>
-          </a:p>
-          <a:p>
-            <a:pPr lvl="2"/>
+              <a:t>appropriate plugins to build the </a:t>
+            </a:r>
+            <a:r>
+              <a:rPr lang="en-US" dirty="0" smtClean="0"/>
+              <a:t>project</a:t>
+            </a:r>
             <a:endParaRPr lang="en-US" dirty="0"/>
           </a:p>
         </p:txBody>
@@ -4170,6 +4142,78 @@
     <p:extLst>
       <p:ext uri="{BB962C8B-B14F-4D97-AF65-F5344CB8AC3E}">
         <p14:creationId xmlns:p14="http://schemas.microsoft.com/office/powerpoint/2010/main" val="470192192"/>
+      </p:ext>
+    </p:extLst>
+  </p:cSld>
+  <p:clrMapOvr>
+    <a:masterClrMapping/>
+  </p:clrMapOvr>
+</p:sld>
+</file>
+
+<file path=ppt/slides/slide9.xml><?xml version="1.0" encoding="utf-8"?>
+<p:sld xmlns:a="http://schemas.openxmlformats.org/drawingml/2006/main" xmlns:r="http://schemas.openxmlformats.org/officeDocument/2006/relationships" xmlns:p="http://schemas.openxmlformats.org/presentationml/2006/main">
+  <p:cSld>
+    <p:spTree>
+      <p:nvGrpSpPr>
+        <p:cNvPr id="1" name=""/>
+        <p:cNvGrpSpPr/>
+        <p:nvPr/>
+      </p:nvGrpSpPr>
+      <p:grpSpPr>
+        <a:xfrm>
+          <a:off x="0" y="0"/>
+          <a:ext cx="0" cy="0"/>
+          <a:chOff x="0" y="0"/>
+          <a:chExt cx="0" cy="0"/>
+        </a:xfrm>
+      </p:grpSpPr>
+      <p:sp>
+        <p:nvSpPr>
+          <p:cNvPr id="2" name="Title 1"/>
+          <p:cNvSpPr>
+            <a:spLocks noGrp="1"/>
+          </p:cNvSpPr>
+          <p:nvPr>
+            <p:ph type="title"/>
+          </p:nvPr>
+        </p:nvSpPr>
+        <p:spPr/>
+        <p:txBody>
+          <a:bodyPr/>
+          <a:lstStyle/>
+          <a:p>
+            <a:r>
+              <a:rPr lang="en-US" dirty="0" smtClean="0"/>
+              <a:t>Continue</a:t>
+            </a:r>
+            <a:endParaRPr lang="vi-VN" dirty="0"/>
+          </a:p>
+        </p:txBody>
+      </p:sp>
+      <p:sp>
+        <p:nvSpPr>
+          <p:cNvPr id="3" name="Content Placeholder 2"/>
+          <p:cNvSpPr>
+            <a:spLocks noGrp="1"/>
+          </p:cNvSpPr>
+          <p:nvPr>
+            <p:ph idx="1"/>
+          </p:nvPr>
+        </p:nvSpPr>
+        <p:spPr/>
+        <p:txBody>
+          <a:bodyPr/>
+          <a:lstStyle/>
+          <a:p>
+            <a:endParaRPr lang="vi-VN"/>
+          </a:p>
+        </p:txBody>
+      </p:sp>
+    </p:spTree>
+    <p:extLst>
+      <p:ext uri="{BB962C8B-B14F-4D97-AF65-F5344CB8AC3E}">
+        <p14:creationId xmlns:p14="http://schemas.microsoft.com/office/powerpoint/2010/main" val="4064873199"/>
       </p:ext>
     </p:extLst>
   </p:cSld>

--- a/Gradle and java 11.pptx
+++ b/Gradle and java 11.pptx
@@ -4206,7 +4206,47 @@
           <a:bodyPr/>
           <a:lstStyle/>
           <a:p>
-            <a:endParaRPr lang="vi-VN"/>
+            <a:r>
+              <a:rPr lang="en-US" dirty="0" smtClean="0"/>
+              <a:t>Verify your dependencies  and </a:t>
+            </a:r>
+            <a:r>
+              <a:rPr lang="en-US" dirty="0" smtClean="0"/>
+              <a:t>fix any problems</a:t>
+            </a:r>
+          </a:p>
+          <a:p>
+            <a:pPr lvl="1"/>
+            <a:r>
+              <a:rPr lang="en-US" dirty="0" smtClean="0"/>
+              <a:t>Declaring dependencies</a:t>
+            </a:r>
+          </a:p>
+          <a:p>
+            <a:pPr lvl="1"/>
+            <a:r>
+              <a:rPr lang="en-US" dirty="0" smtClean="0"/>
+              <a:t>Declaring repositories</a:t>
+            </a:r>
+          </a:p>
+          <a:p>
+            <a:pPr lvl="1"/>
+            <a:r>
+              <a:rPr lang="en-US" dirty="0" smtClean="0"/>
+              <a:t>Controlling dependency versions</a:t>
+            </a:r>
+          </a:p>
+          <a:p>
+            <a:pPr lvl="1"/>
+            <a:r>
+              <a:rPr lang="en-US" dirty="0" smtClean="0"/>
+              <a:t>Handling </a:t>
+            </a:r>
+            <a:r>
+              <a:rPr lang="en-US" smtClean="0"/>
+              <a:t>optional dependencies</a:t>
+            </a:r>
+            <a:endParaRPr lang="vi-VN" dirty="0"/>
           </a:p>
         </p:txBody>
       </p:sp>

--- a/Gradle and java 11.pptx
+++ b/Gradle and java 11.pptx
@@ -14,6 +14,7 @@
     <p:sldId id="262" r:id="rId8"/>
     <p:sldId id="264" r:id="rId9"/>
     <p:sldId id="265" r:id="rId10"/>
+    <p:sldId id="266" r:id="rId11"/>
   </p:sldIdLst>
   <p:sldSz cx="12192000" cy="6858000"/>
   <p:notesSz cx="6858000" cy="9144000"/>
@@ -251,7 +252,7 @@
           <a:p>
             <a:fld id="{36791859-60FA-4D48-8AE1-AB47EAA74624}" type="datetimeFigureOut">
               <a:rPr lang="vi-VN" smtClean="0"/>
-              <a:t>16/01/2021</a:t>
+              <a:t>18/01/2021</a:t>
             </a:fld>
             <a:endParaRPr lang="vi-VN"/>
           </a:p>
@@ -421,7 +422,7 @@
           <a:p>
             <a:fld id="{36791859-60FA-4D48-8AE1-AB47EAA74624}" type="datetimeFigureOut">
               <a:rPr lang="vi-VN" smtClean="0"/>
-              <a:t>16/01/2021</a:t>
+              <a:t>18/01/2021</a:t>
             </a:fld>
             <a:endParaRPr lang="vi-VN"/>
           </a:p>
@@ -601,7 +602,7 @@
           <a:p>
             <a:fld id="{36791859-60FA-4D48-8AE1-AB47EAA74624}" type="datetimeFigureOut">
               <a:rPr lang="vi-VN" smtClean="0"/>
-              <a:t>16/01/2021</a:t>
+              <a:t>18/01/2021</a:t>
             </a:fld>
             <a:endParaRPr lang="vi-VN"/>
           </a:p>
@@ -771,7 +772,7 @@
           <a:p>
             <a:fld id="{36791859-60FA-4D48-8AE1-AB47EAA74624}" type="datetimeFigureOut">
               <a:rPr lang="vi-VN" smtClean="0"/>
-              <a:t>16/01/2021</a:t>
+              <a:t>18/01/2021</a:t>
             </a:fld>
             <a:endParaRPr lang="vi-VN"/>
           </a:p>
@@ -1017,7 +1018,7 @@
           <a:p>
             <a:fld id="{36791859-60FA-4D48-8AE1-AB47EAA74624}" type="datetimeFigureOut">
               <a:rPr lang="vi-VN" smtClean="0"/>
-              <a:t>16/01/2021</a:t>
+              <a:t>18/01/2021</a:t>
             </a:fld>
             <a:endParaRPr lang="vi-VN"/>
           </a:p>
@@ -1249,7 +1250,7 @@
           <a:p>
             <a:fld id="{36791859-60FA-4D48-8AE1-AB47EAA74624}" type="datetimeFigureOut">
               <a:rPr lang="vi-VN" smtClean="0"/>
-              <a:t>16/01/2021</a:t>
+              <a:t>18/01/2021</a:t>
             </a:fld>
             <a:endParaRPr lang="vi-VN"/>
           </a:p>
@@ -1616,7 +1617,7 @@
           <a:p>
             <a:fld id="{36791859-60FA-4D48-8AE1-AB47EAA74624}" type="datetimeFigureOut">
               <a:rPr lang="vi-VN" smtClean="0"/>
-              <a:t>16/01/2021</a:t>
+              <a:t>18/01/2021</a:t>
             </a:fld>
             <a:endParaRPr lang="vi-VN"/>
           </a:p>
@@ -1734,7 +1735,7 @@
           <a:p>
             <a:fld id="{36791859-60FA-4D48-8AE1-AB47EAA74624}" type="datetimeFigureOut">
               <a:rPr lang="vi-VN" smtClean="0"/>
-              <a:t>16/01/2021</a:t>
+              <a:t>18/01/2021</a:t>
             </a:fld>
             <a:endParaRPr lang="vi-VN"/>
           </a:p>
@@ -1829,7 +1830,7 @@
           <a:p>
             <a:fld id="{36791859-60FA-4D48-8AE1-AB47EAA74624}" type="datetimeFigureOut">
               <a:rPr lang="vi-VN" smtClean="0"/>
-              <a:t>16/01/2021</a:t>
+              <a:t>18/01/2021</a:t>
             </a:fld>
             <a:endParaRPr lang="vi-VN"/>
           </a:p>
@@ -2106,7 +2107,7 @@
           <a:p>
             <a:fld id="{36791859-60FA-4D48-8AE1-AB47EAA74624}" type="datetimeFigureOut">
               <a:rPr lang="vi-VN" smtClean="0"/>
-              <a:t>16/01/2021</a:t>
+              <a:t>18/01/2021</a:t>
             </a:fld>
             <a:endParaRPr lang="vi-VN"/>
           </a:p>
@@ -2359,7 +2360,7 @@
           <a:p>
             <a:fld id="{36791859-60FA-4D48-8AE1-AB47EAA74624}" type="datetimeFigureOut">
               <a:rPr lang="vi-VN" smtClean="0"/>
-              <a:t>16/01/2021</a:t>
+              <a:t>18/01/2021</a:t>
             </a:fld>
             <a:endParaRPr lang="vi-VN"/>
           </a:p>
@@ -2572,7 +2573,7 @@
           <a:p>
             <a:fld id="{36791859-60FA-4D48-8AE1-AB47EAA74624}" type="datetimeFigureOut">
               <a:rPr lang="vi-VN" smtClean="0"/>
-              <a:t>16/01/2021</a:t>
+              <a:t>18/01/2021</a:t>
             </a:fld>
             <a:endParaRPr lang="vi-VN"/>
           </a:p>
@@ -3040,6 +3041,140 @@
 </p:sld>
 </file>
 
+<file path=ppt/slides/slide10.xml><?xml version="1.0" encoding="utf-8"?>
+<p:sld xmlns:a="http://schemas.openxmlformats.org/drawingml/2006/main" xmlns:r="http://schemas.openxmlformats.org/officeDocument/2006/relationships" xmlns:p="http://schemas.openxmlformats.org/presentationml/2006/main">
+  <p:cSld>
+    <p:spTree>
+      <p:nvGrpSpPr>
+        <p:cNvPr id="1" name=""/>
+        <p:cNvGrpSpPr/>
+        <p:nvPr/>
+      </p:nvGrpSpPr>
+      <p:grpSpPr>
+        <a:xfrm>
+          <a:off x="0" y="0"/>
+          <a:ext cx="0" cy="0"/>
+          <a:chOff x="0" y="0"/>
+          <a:chExt cx="0" cy="0"/>
+        </a:xfrm>
+      </p:grpSpPr>
+      <p:sp>
+        <p:nvSpPr>
+          <p:cNvPr id="2" name="Title 1"/>
+          <p:cNvSpPr>
+            <a:spLocks noGrp="1"/>
+          </p:cNvSpPr>
+          <p:nvPr>
+            <p:ph type="title"/>
+          </p:nvPr>
+        </p:nvSpPr>
+        <p:spPr/>
+        <p:txBody>
+          <a:bodyPr/>
+          <a:lstStyle/>
+          <a:p>
+            <a:r>
+              <a:rPr lang="en-US" dirty="0" smtClean="0"/>
+              <a:t>Java 11</a:t>
+            </a:r>
+            <a:endParaRPr lang="en-US" dirty="0"/>
+          </a:p>
+        </p:txBody>
+      </p:sp>
+      <p:sp>
+        <p:nvSpPr>
+          <p:cNvPr id="3" name="Content Placeholder 2"/>
+          <p:cNvSpPr>
+            <a:spLocks noGrp="1"/>
+          </p:cNvSpPr>
+          <p:nvPr>
+            <p:ph idx="1"/>
+          </p:nvPr>
+        </p:nvSpPr>
+        <p:spPr/>
+        <p:txBody>
+          <a:bodyPr/>
+          <a:lstStyle/>
+          <a:p>
+            <a:r>
+              <a:rPr lang="en-US" dirty="0" smtClean="0"/>
+              <a:t>Http Client API</a:t>
+            </a:r>
+          </a:p>
+          <a:p>
+            <a:r>
+              <a:rPr lang="en-US" dirty="0" smtClean="0"/>
+              <a:t>Launch single-file programs without compilation</a:t>
+            </a:r>
+          </a:p>
+          <a:p>
+            <a:r>
+              <a:rPr lang="en-US" dirty="0" smtClean="0"/>
+              <a:t>String API changes</a:t>
+            </a:r>
+          </a:p>
+          <a:p>
+            <a:r>
+              <a:rPr lang="en-US" dirty="0" err="1" smtClean="0"/>
+              <a:t>Collection.toArray</a:t>
+            </a:r>
+            <a:r>
+              <a:rPr lang="en-US" dirty="0" smtClean="0"/>
+              <a:t>(</a:t>
+            </a:r>
+            <a:r>
+              <a:rPr lang="en-US" dirty="0" err="1" smtClean="0"/>
+              <a:t>IntFunction</a:t>
+            </a:r>
+            <a:r>
+              <a:rPr lang="en-US" dirty="0" smtClean="0"/>
+              <a:t>)</a:t>
+            </a:r>
+          </a:p>
+          <a:p>
+            <a:r>
+              <a:rPr lang="en-US" dirty="0" err="1" smtClean="0"/>
+              <a:t>Files.readString</a:t>
+            </a:r>
+            <a:r>
+              <a:rPr lang="en-US" dirty="0" smtClean="0"/>
+              <a:t>() and </a:t>
+            </a:r>
+            <a:r>
+              <a:rPr lang="en-US" dirty="0" err="1" smtClean="0"/>
+              <a:t>Files.writeString</a:t>
+            </a:r>
+            <a:r>
+              <a:rPr lang="en-US" dirty="0" smtClean="0"/>
+              <a:t>()</a:t>
+            </a:r>
+          </a:p>
+          <a:p>
+            <a:r>
+              <a:rPr lang="en-US" dirty="0" err="1" smtClean="0"/>
+              <a:t>Optional.isEmpty</a:t>
+            </a:r>
+            <a:r>
+              <a:rPr lang="en-US" dirty="0" smtClean="0"/>
+              <a:t>()</a:t>
+            </a:r>
+            <a:endParaRPr lang="en-US" dirty="0"/>
+          </a:p>
+        </p:txBody>
+      </p:sp>
+    </p:spTree>
+    <p:extLst>
+      <p:ext uri="{BB962C8B-B14F-4D97-AF65-F5344CB8AC3E}">
+        <p14:creationId xmlns:p14="http://schemas.microsoft.com/office/powerpoint/2010/main" val="2809446038"/>
+      </p:ext>
+    </p:extLst>
+  </p:cSld>
+  <p:clrMapOvr>
+    <a:masterClrMapping/>
+  </p:clrMapOvr>
+</p:sld>
+</file>
+
 <file path=ppt/slides/slide2.xml><?xml version="1.0" encoding="utf-8"?>
 <p:sld xmlns:a="http://schemas.openxmlformats.org/drawingml/2006/main" xmlns:r="http://schemas.openxmlformats.org/officeDocument/2006/relationships" xmlns:p="http://schemas.openxmlformats.org/presentationml/2006/main">
   <p:cSld>
@@ -4208,11 +4343,7 @@
           <a:p>
             <a:r>
               <a:rPr lang="en-US" dirty="0" smtClean="0"/>
-              <a:t>Verify your dependencies  and </a:t>
-            </a:r>
-            <a:r>
-              <a:rPr lang="en-US" dirty="0" smtClean="0"/>
-              <a:t>fix any problems</a:t>
+              <a:t>Verify your dependencies  and fix any problems</a:t>
             </a:r>
           </a:p>
           <a:p>
@@ -4240,13 +4371,40 @@
             <a:pPr lvl="1"/>
             <a:r>
               <a:rPr lang="en-US" dirty="0" smtClean="0"/>
-              <a:t>Handling </a:t>
-            </a:r>
-            <a:r>
-              <a:rPr lang="en-US" smtClean="0"/>
-              <a:t>optional dependencies</a:t>
-            </a:r>
-            <a:endParaRPr lang="vi-VN" dirty="0"/>
+              <a:t>Handling optional </a:t>
+            </a:r>
+            <a:r>
+              <a:rPr lang="en-US" dirty="0" smtClean="0"/>
+              <a:t>dependencies</a:t>
+            </a:r>
+          </a:p>
+          <a:p>
+            <a:r>
+              <a:rPr lang="en-US" dirty="0" smtClean="0"/>
+              <a:t>Configure integration and functional tests</a:t>
+            </a:r>
+          </a:p>
+          <a:p>
+            <a:pPr lvl="1"/>
+            <a:r>
+              <a:rPr lang="en-US" dirty="0" smtClean="0"/>
+              <a:t>Many tests can simply be migrated by configuring an extra source set</a:t>
+            </a:r>
+          </a:p>
+          <a:p>
+            <a:r>
+              <a:rPr lang="en-US" dirty="0" smtClean="0"/>
+              <a:t>Replace maven plugins with </a:t>
+            </a:r>
+            <a:r>
+              <a:rPr lang="en-US" dirty="0" err="1" smtClean="0"/>
+              <a:t>gradle</a:t>
+            </a:r>
+            <a:r>
+              <a:rPr lang="en-US" dirty="0" smtClean="0"/>
+              <a:t> equivalents</a:t>
+            </a:r>
+            <a:endParaRPr lang="en-US" dirty="0"/>
           </a:p>
         </p:txBody>
       </p:sp>

--- a/Gradle and java 11.pptx
+++ b/Gradle and java 11.pptx
@@ -13,8 +13,21 @@
     <p:sldId id="261" r:id="rId7"/>
     <p:sldId id="262" r:id="rId8"/>
     <p:sldId id="264" r:id="rId9"/>
-    <p:sldId id="265" r:id="rId10"/>
-    <p:sldId id="266" r:id="rId11"/>
+    <p:sldId id="270" r:id="rId10"/>
+    <p:sldId id="272" r:id="rId11"/>
+    <p:sldId id="271" r:id="rId12"/>
+    <p:sldId id="273" r:id="rId13"/>
+    <p:sldId id="274" r:id="rId14"/>
+    <p:sldId id="275" r:id="rId15"/>
+    <p:sldId id="269" r:id="rId16"/>
+    <p:sldId id="277" r:id="rId17"/>
+    <p:sldId id="276" r:id="rId18"/>
+    <p:sldId id="278" r:id="rId19"/>
+    <p:sldId id="280" r:id="rId20"/>
+    <p:sldId id="281" r:id="rId21"/>
+    <p:sldId id="266" r:id="rId22"/>
+    <p:sldId id="268" r:id="rId23"/>
+    <p:sldId id="267" r:id="rId24"/>
   </p:sldIdLst>
   <p:sldSz cx="12192000" cy="6858000"/>
   <p:notesSz cx="6858000" cy="9144000"/>
@@ -252,7 +265,7 @@
           <a:p>
             <a:fld id="{36791859-60FA-4D48-8AE1-AB47EAA74624}" type="datetimeFigureOut">
               <a:rPr lang="vi-VN" smtClean="0"/>
-              <a:t>18/01/2021</a:t>
+              <a:t>21/01/2021</a:t>
             </a:fld>
             <a:endParaRPr lang="vi-VN"/>
           </a:p>
@@ -422,7 +435,7 @@
           <a:p>
             <a:fld id="{36791859-60FA-4D48-8AE1-AB47EAA74624}" type="datetimeFigureOut">
               <a:rPr lang="vi-VN" smtClean="0"/>
-              <a:t>18/01/2021</a:t>
+              <a:t>21/01/2021</a:t>
             </a:fld>
             <a:endParaRPr lang="vi-VN"/>
           </a:p>
@@ -602,7 +615,7 @@
           <a:p>
             <a:fld id="{36791859-60FA-4D48-8AE1-AB47EAA74624}" type="datetimeFigureOut">
               <a:rPr lang="vi-VN" smtClean="0"/>
-              <a:t>18/01/2021</a:t>
+              <a:t>21/01/2021</a:t>
             </a:fld>
             <a:endParaRPr lang="vi-VN"/>
           </a:p>
@@ -772,7 +785,7 @@
           <a:p>
             <a:fld id="{36791859-60FA-4D48-8AE1-AB47EAA74624}" type="datetimeFigureOut">
               <a:rPr lang="vi-VN" smtClean="0"/>
-              <a:t>18/01/2021</a:t>
+              <a:t>21/01/2021</a:t>
             </a:fld>
             <a:endParaRPr lang="vi-VN"/>
           </a:p>
@@ -1018,7 +1031,7 @@
           <a:p>
             <a:fld id="{36791859-60FA-4D48-8AE1-AB47EAA74624}" type="datetimeFigureOut">
               <a:rPr lang="vi-VN" smtClean="0"/>
-              <a:t>18/01/2021</a:t>
+              <a:t>21/01/2021</a:t>
             </a:fld>
             <a:endParaRPr lang="vi-VN"/>
           </a:p>
@@ -1250,7 +1263,7 @@
           <a:p>
             <a:fld id="{36791859-60FA-4D48-8AE1-AB47EAA74624}" type="datetimeFigureOut">
               <a:rPr lang="vi-VN" smtClean="0"/>
-              <a:t>18/01/2021</a:t>
+              <a:t>21/01/2021</a:t>
             </a:fld>
             <a:endParaRPr lang="vi-VN"/>
           </a:p>
@@ -1617,7 +1630,7 @@
           <a:p>
             <a:fld id="{36791859-60FA-4D48-8AE1-AB47EAA74624}" type="datetimeFigureOut">
               <a:rPr lang="vi-VN" smtClean="0"/>
-              <a:t>18/01/2021</a:t>
+              <a:t>21/01/2021</a:t>
             </a:fld>
             <a:endParaRPr lang="vi-VN"/>
           </a:p>
@@ -1735,7 +1748,7 @@
           <a:p>
             <a:fld id="{36791859-60FA-4D48-8AE1-AB47EAA74624}" type="datetimeFigureOut">
               <a:rPr lang="vi-VN" smtClean="0"/>
-              <a:t>18/01/2021</a:t>
+              <a:t>21/01/2021</a:t>
             </a:fld>
             <a:endParaRPr lang="vi-VN"/>
           </a:p>
@@ -1830,7 +1843,7 @@
           <a:p>
             <a:fld id="{36791859-60FA-4D48-8AE1-AB47EAA74624}" type="datetimeFigureOut">
               <a:rPr lang="vi-VN" smtClean="0"/>
-              <a:t>18/01/2021</a:t>
+              <a:t>21/01/2021</a:t>
             </a:fld>
             <a:endParaRPr lang="vi-VN"/>
           </a:p>
@@ -2107,7 +2120,7 @@
           <a:p>
             <a:fld id="{36791859-60FA-4D48-8AE1-AB47EAA74624}" type="datetimeFigureOut">
               <a:rPr lang="vi-VN" smtClean="0"/>
-              <a:t>18/01/2021</a:t>
+              <a:t>21/01/2021</a:t>
             </a:fld>
             <a:endParaRPr lang="vi-VN"/>
           </a:p>
@@ -2360,7 +2373,7 @@
           <a:p>
             <a:fld id="{36791859-60FA-4D48-8AE1-AB47EAA74624}" type="datetimeFigureOut">
               <a:rPr lang="vi-VN" smtClean="0"/>
-              <a:t>18/01/2021</a:t>
+              <a:t>21/01/2021</a:t>
             </a:fld>
             <a:endParaRPr lang="vi-VN"/>
           </a:p>
@@ -2573,7 +2586,7 @@
           <a:p>
             <a:fld id="{36791859-60FA-4D48-8AE1-AB47EAA74624}" type="datetimeFigureOut">
               <a:rPr lang="vi-VN" smtClean="0"/>
-              <a:t>18/01/2021</a:t>
+              <a:t>21/01/2021</a:t>
             </a:fld>
             <a:endParaRPr lang="vi-VN"/>
           </a:p>
@@ -3074,104 +3087,1319 @@
           <a:lstStyle/>
           <a:p>
             <a:r>
-              <a:rPr lang="en-US" dirty="0" smtClean="0"/>
-              <a:t>Java 11</a:t>
-            </a:r>
-            <a:endParaRPr lang="en-US" dirty="0"/>
-          </a:p>
-        </p:txBody>
-      </p:sp>
-      <p:sp>
-        <p:nvSpPr>
-          <p:cNvPr id="3" name="Content Placeholder 2"/>
-          <p:cNvSpPr>
-            <a:spLocks noGrp="1"/>
-          </p:cNvSpPr>
+              <a:rPr lang="en-US" dirty="0" smtClean="0">
+                <a:latin typeface="Times New Roman" panose="02020603050405020304" pitchFamily="18" charset="0"/>
+                <a:cs typeface="Times New Roman" panose="02020603050405020304" pitchFamily="18" charset="0"/>
+              </a:rPr>
+              <a:t>Maven build scan demo</a:t>
+            </a:r>
+            <a:endParaRPr lang="en-US" dirty="0">
+              <a:latin typeface="Times New Roman" panose="02020603050405020304" pitchFamily="18" charset="0"/>
+              <a:cs typeface="Times New Roman" panose="02020603050405020304" pitchFamily="18" charset="0"/>
+            </a:endParaRPr>
+          </a:p>
+        </p:txBody>
+      </p:sp>
+      <p:pic>
+        <p:nvPicPr>
+          <p:cNvPr id="4" name="Content Placeholder 3"/>
+          <p:cNvPicPr>
+            <a:picLocks noGrp="1" noChangeAspect="1"/>
+          </p:cNvPicPr>
           <p:nvPr>
             <p:ph idx="1"/>
           </p:nvPr>
-        </p:nvSpPr>
-        <p:spPr/>
-        <p:txBody>
-          <a:bodyPr/>
-          <a:lstStyle/>
-          <a:p>
-            <a:r>
-              <a:rPr lang="en-US" dirty="0" smtClean="0"/>
-              <a:t>Http Client API</a:t>
-            </a:r>
-          </a:p>
-          <a:p>
-            <a:r>
-              <a:rPr lang="en-US" dirty="0" smtClean="0"/>
-              <a:t>Launch single-file programs without compilation</a:t>
-            </a:r>
-          </a:p>
-          <a:p>
-            <a:r>
-              <a:rPr lang="en-US" dirty="0" smtClean="0"/>
-              <a:t>String API changes</a:t>
-            </a:r>
-          </a:p>
-          <a:p>
-            <a:r>
-              <a:rPr lang="en-US" dirty="0" err="1" smtClean="0"/>
-              <a:t>Collection.toArray</a:t>
-            </a:r>
-            <a:r>
-              <a:rPr lang="en-US" dirty="0" smtClean="0"/>
-              <a:t>(</a:t>
-            </a:r>
-            <a:r>
-              <a:rPr lang="en-US" dirty="0" err="1" smtClean="0"/>
-              <a:t>IntFunction</a:t>
-            </a:r>
-            <a:r>
-              <a:rPr lang="en-US" dirty="0" smtClean="0"/>
-              <a:t>)</a:t>
-            </a:r>
-          </a:p>
-          <a:p>
-            <a:r>
-              <a:rPr lang="en-US" dirty="0" err="1" smtClean="0"/>
-              <a:t>Files.readString</a:t>
-            </a:r>
-            <a:r>
-              <a:rPr lang="en-US" dirty="0" smtClean="0"/>
-              <a:t>() and </a:t>
-            </a:r>
-            <a:r>
-              <a:rPr lang="en-US" dirty="0" err="1" smtClean="0"/>
-              <a:t>Files.writeString</a:t>
-            </a:r>
-            <a:r>
-              <a:rPr lang="en-US" dirty="0" smtClean="0"/>
-              <a:t>()</a:t>
-            </a:r>
-          </a:p>
-          <a:p>
-            <a:r>
-              <a:rPr lang="en-US" dirty="0" err="1" smtClean="0"/>
-              <a:t>Optional.isEmpty</a:t>
-            </a:r>
-            <a:r>
-              <a:rPr lang="en-US" dirty="0" smtClean="0"/>
-              <a:t>()</a:t>
-            </a:r>
-            <a:endParaRPr lang="en-US" dirty="0"/>
-          </a:p>
-        </p:txBody>
-      </p:sp>
+        </p:nvPicPr>
+        <p:blipFill>
+          <a:blip r:embed="rId2"/>
+          <a:stretch>
+            <a:fillRect/>
+          </a:stretch>
+        </p:blipFill>
+        <p:spPr>
+          <a:xfrm>
+            <a:off x="1415742" y="1825625"/>
+            <a:ext cx="9360516" cy="4351338"/>
+          </a:xfrm>
+          <a:prstGeom prst="rect">
+            <a:avLst/>
+          </a:prstGeom>
+        </p:spPr>
+      </p:pic>
     </p:spTree>
     <p:extLst>
       <p:ext uri="{BB962C8B-B14F-4D97-AF65-F5344CB8AC3E}">
-        <p14:creationId xmlns:p14="http://schemas.microsoft.com/office/powerpoint/2010/main" val="2809446038"/>
+        <p14:creationId xmlns:p14="http://schemas.microsoft.com/office/powerpoint/2010/main" val="1320582504"/>
       </p:ext>
     </p:extLst>
   </p:cSld>
   <p:clrMapOvr>
     <a:masterClrMapping/>
   </p:clrMapOvr>
+</p:sld>
+</file>
+
+<file path=ppt/slides/slide11.xml><?xml version="1.0" encoding="utf-8"?>
+<p:sld xmlns:a="http://schemas.openxmlformats.org/drawingml/2006/main" xmlns:r="http://schemas.openxmlformats.org/officeDocument/2006/relationships" xmlns:p="http://schemas.openxmlformats.org/presentationml/2006/main">
+  <p:cSld>
+    <p:spTree>
+      <p:nvGrpSpPr>
+        <p:cNvPr id="1" name=""/>
+        <p:cNvGrpSpPr/>
+        <p:nvPr/>
+      </p:nvGrpSpPr>
+      <p:grpSpPr>
+        <a:xfrm>
+          <a:off x="0" y="0"/>
+          <a:ext cx="0" cy="0"/>
+          <a:chOff x="0" y="0"/>
+          <a:chExt cx="0" cy="0"/>
+        </a:xfrm>
+      </p:grpSpPr>
+      <p:sp>
+        <p:nvSpPr>
+          <p:cNvPr id="2" name="Title 1"/>
+          <p:cNvSpPr>
+            <a:spLocks noGrp="1"/>
+          </p:cNvSpPr>
+          <p:nvPr>
+            <p:ph type="title"/>
+          </p:nvPr>
+        </p:nvSpPr>
+        <p:spPr/>
+        <p:txBody>
+          <a:bodyPr/>
+          <a:lstStyle/>
+          <a:p>
+            <a:r>
+              <a:rPr lang="en-US" dirty="0"/>
+              <a:t>Verify that the two builds produce the same artifact</a:t>
+            </a:r>
+          </a:p>
+        </p:txBody>
+      </p:sp>
+      <p:sp>
+        <p:nvSpPr>
+          <p:cNvPr id="3" name="Content Placeholder 2"/>
+          <p:cNvSpPr>
+            <a:spLocks noGrp="1"/>
+          </p:cNvSpPr>
+          <p:nvPr>
+            <p:ph idx="1"/>
+          </p:nvPr>
+        </p:nvSpPr>
+        <p:spPr/>
+        <p:txBody>
+          <a:bodyPr/>
+          <a:lstStyle/>
+          <a:p>
+            <a:r>
+              <a:rPr lang="en-US" dirty="0" smtClean="0"/>
+              <a:t>This is a step to ensure that your deployments and tests don’t break</a:t>
+            </a:r>
+          </a:p>
+          <a:p>
+            <a:r>
+              <a:rPr lang="en-US" dirty="0" smtClean="0"/>
+              <a:t>If </a:t>
+            </a:r>
+            <a:r>
+              <a:rPr lang="en-US" dirty="0" err="1" smtClean="0"/>
+              <a:t>Gradle</a:t>
+            </a:r>
+            <a:r>
+              <a:rPr lang="en-US" dirty="0" smtClean="0"/>
+              <a:t> build produces the same output as the Maven build, this will you confidence in switching over</a:t>
+            </a:r>
+          </a:p>
+          <a:p>
+            <a:r>
+              <a:rPr lang="en-US" dirty="0" smtClean="0"/>
+              <a:t>Don’t need to verify every </a:t>
+            </a:r>
+            <a:r>
+              <a:rPr lang="en-US" dirty="0" err="1" smtClean="0"/>
+              <a:t>artifac</a:t>
+            </a:r>
+            <a:r>
+              <a:rPr lang="en-US" dirty="0" smtClean="0"/>
+              <a:t> at every stage. We can just focus on the critical output such as final reports and the </a:t>
+            </a:r>
+            <a:r>
+              <a:rPr lang="en-US" dirty="0" err="1" smtClean="0"/>
+              <a:t>artifacs</a:t>
+            </a:r>
+            <a:r>
+              <a:rPr lang="en-US" dirty="0" smtClean="0"/>
+              <a:t> that are published or deployed</a:t>
+            </a:r>
+            <a:endParaRPr lang="en-US" dirty="0" smtClean="0"/>
+          </a:p>
+          <a:p>
+            <a:endParaRPr lang="en-US" dirty="0" smtClean="0"/>
+          </a:p>
+        </p:txBody>
+      </p:sp>
+    </p:spTree>
+    <p:extLst>
+      <p:ext uri="{BB962C8B-B14F-4D97-AF65-F5344CB8AC3E}">
+        <p14:creationId xmlns:p14="http://schemas.microsoft.com/office/powerpoint/2010/main" val="2174354050"/>
+      </p:ext>
+    </p:extLst>
+  </p:cSld>
+  <p:clrMapOvr>
+    <a:masterClrMapping/>
+  </p:clrMapOvr>
+</p:sld>
+</file>
+
+<file path=ppt/slides/slide12.xml><?xml version="1.0" encoding="utf-8"?>
+<p:sld xmlns:a="http://schemas.openxmlformats.org/drawingml/2006/main" xmlns:r="http://schemas.openxmlformats.org/officeDocument/2006/relationships" xmlns:p="http://schemas.openxmlformats.org/presentationml/2006/main">
+  <p:cSld>
+    <p:spTree>
+      <p:nvGrpSpPr>
+        <p:cNvPr id="1" name=""/>
+        <p:cNvGrpSpPr/>
+        <p:nvPr/>
+      </p:nvGrpSpPr>
+      <p:grpSpPr>
+        <a:xfrm>
+          <a:off x="0" y="0"/>
+          <a:ext cx="0" cy="0"/>
+          <a:chOff x="0" y="0"/>
+          <a:chExt cx="0" cy="0"/>
+        </a:xfrm>
+      </p:grpSpPr>
+      <p:sp>
+        <p:nvSpPr>
+          <p:cNvPr id="2" name="Title 1"/>
+          <p:cNvSpPr>
+            <a:spLocks noGrp="1"/>
+          </p:cNvSpPr>
+          <p:nvPr>
+            <p:ph type="title"/>
+          </p:nvPr>
+        </p:nvSpPr>
+        <p:spPr/>
+        <p:txBody>
+          <a:bodyPr/>
+          <a:lstStyle/>
+          <a:p>
+            <a:r>
+              <a:rPr lang="en-US" dirty="0" smtClean="0"/>
+              <a:t>Run an automatic conversion</a:t>
+            </a:r>
+            <a:endParaRPr lang="en-US" dirty="0"/>
+          </a:p>
+        </p:txBody>
+      </p:sp>
+      <p:sp>
+        <p:nvSpPr>
+          <p:cNvPr id="3" name="Content Placeholder 2"/>
+          <p:cNvSpPr>
+            <a:spLocks noGrp="1"/>
+          </p:cNvSpPr>
+          <p:nvPr>
+            <p:ph idx="1"/>
+          </p:nvPr>
+        </p:nvSpPr>
+        <p:spPr/>
+        <p:txBody>
+          <a:bodyPr>
+            <a:normAutofit fontScale="85000" lnSpcReduction="20000"/>
+          </a:bodyPr>
+          <a:lstStyle/>
+          <a:p>
+            <a:r>
+              <a:rPr lang="en-US" dirty="0" smtClean="0"/>
+              <a:t>Command: </a:t>
+            </a:r>
+            <a:r>
+              <a:rPr lang="en-US" dirty="0" err="1" smtClean="0"/>
+              <a:t>gradle</a:t>
+            </a:r>
+            <a:r>
+              <a:rPr lang="en-US" dirty="0" smtClean="0"/>
+              <a:t> </a:t>
+            </a:r>
+            <a:r>
+              <a:rPr lang="en-US" dirty="0" err="1" smtClean="0"/>
+              <a:t>init</a:t>
+            </a:r>
+            <a:endParaRPr lang="en-US" dirty="0" smtClean="0"/>
+          </a:p>
+          <a:p>
+            <a:r>
+              <a:rPr lang="en-US" dirty="0" smtClean="0"/>
+              <a:t>This convert an existing Maven build to </a:t>
+            </a:r>
+            <a:r>
+              <a:rPr lang="en-US" dirty="0" err="1" smtClean="0"/>
+              <a:t>Gradle</a:t>
+            </a:r>
+            <a:r>
+              <a:rPr lang="en-US" dirty="0" smtClean="0"/>
+              <a:t> automatically, even for multi-module builds.</a:t>
+            </a:r>
+          </a:p>
+          <a:p>
+            <a:r>
+              <a:rPr lang="en-US" dirty="0" smtClean="0"/>
+              <a:t>New </a:t>
+            </a:r>
+            <a:r>
+              <a:rPr lang="en-US" dirty="0" err="1" smtClean="0"/>
+              <a:t>Gradle</a:t>
+            </a:r>
+            <a:r>
+              <a:rPr lang="en-US" dirty="0" smtClean="0"/>
+              <a:t> build includes:</a:t>
+            </a:r>
+          </a:p>
+          <a:p>
+            <a:pPr lvl="1"/>
+            <a:r>
+              <a:rPr lang="en-US" dirty="0" smtClean="0"/>
+              <a:t>All the custom repositories that are specified in the POM</a:t>
+            </a:r>
+          </a:p>
+          <a:p>
+            <a:pPr lvl="1"/>
+            <a:r>
+              <a:rPr lang="en-US" dirty="0" smtClean="0"/>
+              <a:t>External and inter-project dependencies</a:t>
+            </a:r>
+          </a:p>
+          <a:p>
+            <a:pPr lvl="1"/>
+            <a:r>
+              <a:rPr lang="en-US" dirty="0" smtClean="0"/>
+              <a:t>The appropriate plugins to build the project (limit to Maven Publish, Java and War Plugins)</a:t>
+            </a:r>
+          </a:p>
+          <a:p>
+            <a:r>
+              <a:rPr lang="en-US" dirty="0" smtClean="0"/>
+              <a:t>Some manual work:</a:t>
+            </a:r>
+          </a:p>
+          <a:p>
+            <a:pPr lvl="1"/>
+            <a:r>
+              <a:rPr lang="en-US" dirty="0" smtClean="0"/>
+              <a:t>Using the Distribution Plugin</a:t>
+            </a:r>
+          </a:p>
+          <a:p>
+            <a:pPr lvl="1"/>
+            <a:r>
+              <a:rPr lang="en-US" dirty="0" smtClean="0"/>
+              <a:t>Using the Java Library Distribution Plugin</a:t>
+            </a:r>
+          </a:p>
+          <a:p>
+            <a:pPr lvl="1"/>
+            <a:r>
+              <a:rPr lang="en-US" dirty="0" smtClean="0"/>
+              <a:t>Using the Application Plugin</a:t>
+            </a:r>
+          </a:p>
+          <a:p>
+            <a:pPr lvl="1"/>
+            <a:r>
+              <a:rPr lang="en-US" dirty="0" smtClean="0"/>
+              <a:t>Creating custom archive tasks</a:t>
+            </a:r>
+          </a:p>
+          <a:p>
+            <a:pPr lvl="1"/>
+            <a:r>
+              <a:rPr lang="en-US" dirty="0" smtClean="0"/>
+              <a:t>Using a suitable community plugin from the </a:t>
+            </a:r>
+            <a:r>
+              <a:rPr lang="en-US" dirty="0" err="1" smtClean="0"/>
+              <a:t>Gradle</a:t>
+            </a:r>
+            <a:r>
+              <a:rPr lang="en-US" dirty="0" smtClean="0"/>
+              <a:t> plugin Portal</a:t>
+            </a:r>
+            <a:endParaRPr lang="en-US" dirty="0" smtClean="0"/>
+          </a:p>
+        </p:txBody>
+      </p:sp>
+    </p:spTree>
+    <p:extLst>
+      <p:ext uri="{BB962C8B-B14F-4D97-AF65-F5344CB8AC3E}">
+        <p14:creationId xmlns:p14="http://schemas.microsoft.com/office/powerpoint/2010/main" val="1798842150"/>
+      </p:ext>
+    </p:extLst>
+  </p:cSld>
+  <p:clrMapOvr>
+    <a:masterClrMapping/>
+  </p:clrMapOvr>
+</p:sld>
+</file>
+
+<file path=ppt/slides/slide13.xml><?xml version="1.0" encoding="utf-8"?>
+<p:sld xmlns:a="http://schemas.openxmlformats.org/drawingml/2006/main" xmlns:r="http://schemas.openxmlformats.org/officeDocument/2006/relationships" xmlns:p="http://schemas.openxmlformats.org/presentationml/2006/main">
+  <p:cSld>
+    <p:spTree>
+      <p:nvGrpSpPr>
+        <p:cNvPr id="1" name=""/>
+        <p:cNvGrpSpPr/>
+        <p:nvPr/>
+      </p:nvGrpSpPr>
+      <p:grpSpPr>
+        <a:xfrm>
+          <a:off x="0" y="0"/>
+          <a:ext cx="0" cy="0"/>
+          <a:chOff x="0" y="0"/>
+          <a:chExt cx="0" cy="0"/>
+        </a:xfrm>
+      </p:grpSpPr>
+      <p:sp>
+        <p:nvSpPr>
+          <p:cNvPr id="2" name="Title 1"/>
+          <p:cNvSpPr>
+            <a:spLocks noGrp="1"/>
+          </p:cNvSpPr>
+          <p:nvPr>
+            <p:ph type="title"/>
+          </p:nvPr>
+        </p:nvSpPr>
+        <p:spPr/>
+        <p:txBody>
+          <a:bodyPr/>
+          <a:lstStyle/>
+          <a:p>
+            <a:r>
+              <a:rPr lang="en-US" dirty="0" smtClean="0"/>
+              <a:t>Create a build scan for the </a:t>
+            </a:r>
+            <a:r>
+              <a:rPr lang="en-US" dirty="0" err="1" smtClean="0"/>
+              <a:t>Gradle</a:t>
+            </a:r>
+            <a:r>
+              <a:rPr lang="en-US" dirty="0" smtClean="0"/>
+              <a:t> build</a:t>
+            </a:r>
+            <a:endParaRPr lang="en-US" dirty="0"/>
+          </a:p>
+        </p:txBody>
+      </p:sp>
+      <p:sp>
+        <p:nvSpPr>
+          <p:cNvPr id="3" name="Content Placeholder 2"/>
+          <p:cNvSpPr>
+            <a:spLocks noGrp="1"/>
+          </p:cNvSpPr>
+          <p:nvPr>
+            <p:ph idx="1"/>
+          </p:nvPr>
+        </p:nvSpPr>
+        <p:spPr/>
+        <p:txBody>
+          <a:bodyPr>
+            <a:normAutofit/>
+          </a:bodyPr>
+          <a:lstStyle/>
+          <a:p>
+            <a:r>
+              <a:rPr lang="en-US" dirty="0" smtClean="0"/>
+              <a:t>Visualize what’s happening in the build. See the project structure, the dependencies (regular and inter-project ones), what plugins are being used and console output of the build</a:t>
+            </a:r>
+          </a:p>
+          <a:p>
+            <a:r>
+              <a:rPr lang="en-US" dirty="0" smtClean="0"/>
+              <a:t>Build may fail, but the scan will still run. Compare the build scan for the </a:t>
+            </a:r>
+            <a:r>
+              <a:rPr lang="en-US" dirty="0" err="1" smtClean="0"/>
+              <a:t>Gradle</a:t>
+            </a:r>
+            <a:r>
+              <a:rPr lang="en-US" dirty="0" smtClean="0"/>
+              <a:t> build to the Maven build to troubleshoot the failures.</a:t>
+            </a:r>
+          </a:p>
+          <a:p>
+            <a:r>
+              <a:rPr lang="en-US" dirty="0" smtClean="0"/>
+              <a:t>A </a:t>
+            </a:r>
+            <a:r>
+              <a:rPr lang="en-US" dirty="0" err="1" smtClean="0"/>
+              <a:t>Gradle</a:t>
+            </a:r>
+            <a:r>
+              <a:rPr lang="en-US" dirty="0" smtClean="0"/>
+              <a:t> build scan can improve the performance of the build</a:t>
+            </a:r>
+          </a:p>
+          <a:p>
+            <a:r>
+              <a:rPr lang="en-US" dirty="0" smtClean="0"/>
+              <a:t>Command: </a:t>
+            </a:r>
+            <a:r>
+              <a:rPr lang="en-US" dirty="0" err="1" smtClean="0"/>
+              <a:t>gradle</a:t>
+            </a:r>
+            <a:r>
+              <a:rPr lang="en-US" dirty="0" smtClean="0"/>
+              <a:t> build –scan. Publishing build scans to scan.gradle.com.</a:t>
+            </a:r>
+            <a:endParaRPr lang="en-US" dirty="0" smtClean="0"/>
+          </a:p>
+        </p:txBody>
+      </p:sp>
+    </p:spTree>
+    <p:extLst>
+      <p:ext uri="{BB962C8B-B14F-4D97-AF65-F5344CB8AC3E}">
+        <p14:creationId xmlns:p14="http://schemas.microsoft.com/office/powerpoint/2010/main" val="321522733"/>
+      </p:ext>
+    </p:extLst>
+  </p:cSld>
+  <p:clrMapOvr>
+    <a:masterClrMapping/>
+  </p:clrMapOvr>
+</p:sld>
+</file>
+
+<file path=ppt/slides/slide14.xml><?xml version="1.0" encoding="utf-8"?>
+<p:sld xmlns:a="http://schemas.openxmlformats.org/drawingml/2006/main" xmlns:r="http://schemas.openxmlformats.org/officeDocument/2006/relationships" xmlns:p="http://schemas.openxmlformats.org/presentationml/2006/main">
+  <p:cSld>
+    <p:spTree>
+      <p:nvGrpSpPr>
+        <p:cNvPr id="1" name=""/>
+        <p:cNvGrpSpPr/>
+        <p:nvPr/>
+      </p:nvGrpSpPr>
+      <p:grpSpPr>
+        <a:xfrm>
+          <a:off x="0" y="0"/>
+          <a:ext cx="0" cy="0"/>
+          <a:chOff x="0" y="0"/>
+          <a:chExt cx="0" cy="0"/>
+        </a:xfrm>
+      </p:grpSpPr>
+      <p:sp>
+        <p:nvSpPr>
+          <p:cNvPr id="2" name="Title 1"/>
+          <p:cNvSpPr>
+            <a:spLocks noGrp="1"/>
+          </p:cNvSpPr>
+          <p:nvPr>
+            <p:ph type="title"/>
+          </p:nvPr>
+        </p:nvSpPr>
+        <p:spPr/>
+        <p:txBody>
+          <a:bodyPr/>
+          <a:lstStyle/>
+          <a:p>
+            <a:r>
+              <a:rPr lang="en-US" dirty="0" err="1"/>
+              <a:t>Gradle</a:t>
+            </a:r>
+            <a:r>
+              <a:rPr lang="en-US" dirty="0"/>
+              <a:t> build scan demo</a:t>
+            </a:r>
+          </a:p>
+        </p:txBody>
+      </p:sp>
+      <p:pic>
+        <p:nvPicPr>
+          <p:cNvPr id="4" name="Content Placeholder 3"/>
+          <p:cNvPicPr>
+            <a:picLocks noGrp="1" noChangeAspect="1"/>
+          </p:cNvPicPr>
+          <p:nvPr>
+            <p:ph idx="1"/>
+          </p:nvPr>
+        </p:nvPicPr>
+        <p:blipFill>
+          <a:blip r:embed="rId2"/>
+          <a:stretch>
+            <a:fillRect/>
+          </a:stretch>
+        </p:blipFill>
+        <p:spPr>
+          <a:xfrm>
+            <a:off x="1415742" y="1825625"/>
+            <a:ext cx="9360516" cy="4351338"/>
+          </a:xfrm>
+          <a:prstGeom prst="rect">
+            <a:avLst/>
+          </a:prstGeom>
+        </p:spPr>
+      </p:pic>
+    </p:spTree>
+    <p:extLst>
+      <p:ext uri="{BB962C8B-B14F-4D97-AF65-F5344CB8AC3E}">
+        <p14:creationId xmlns:p14="http://schemas.microsoft.com/office/powerpoint/2010/main" val="2662841370"/>
+      </p:ext>
+    </p:extLst>
+  </p:cSld>
+  <p:clrMapOvr>
+    <a:masterClrMapping/>
+  </p:clrMapOvr>
+</p:sld>
+</file>
+
+<file path=ppt/slides/slide15.xml><?xml version="1.0" encoding="utf-8"?>
+<p:sld xmlns:a="http://schemas.openxmlformats.org/drawingml/2006/main" xmlns:r="http://schemas.openxmlformats.org/officeDocument/2006/relationships" xmlns:p="http://schemas.openxmlformats.org/presentationml/2006/main">
+  <p:cSld>
+    <p:spTree>
+      <p:nvGrpSpPr>
+        <p:cNvPr id="1" name=""/>
+        <p:cNvGrpSpPr/>
+        <p:nvPr/>
+      </p:nvGrpSpPr>
+      <p:grpSpPr>
+        <a:xfrm>
+          <a:off x="0" y="0"/>
+          <a:ext cx="0" cy="0"/>
+          <a:chOff x="0" y="0"/>
+          <a:chExt cx="0" cy="0"/>
+        </a:xfrm>
+      </p:grpSpPr>
+      <p:sp>
+        <p:nvSpPr>
+          <p:cNvPr id="2" name="Title 1"/>
+          <p:cNvSpPr>
+            <a:spLocks noGrp="1"/>
+          </p:cNvSpPr>
+          <p:nvPr>
+            <p:ph type="title"/>
+          </p:nvPr>
+        </p:nvSpPr>
+        <p:spPr/>
+        <p:txBody>
+          <a:bodyPr/>
+          <a:lstStyle/>
+          <a:p>
+            <a:r>
+              <a:rPr lang="en-US" dirty="0" smtClean="0"/>
+              <a:t>Verify your dependencies and fix any problems</a:t>
+            </a:r>
+            <a:endParaRPr lang="en-US" dirty="0"/>
+          </a:p>
+        </p:txBody>
+      </p:sp>
+      <p:sp>
+        <p:nvSpPr>
+          <p:cNvPr id="3" name="Content Placeholder 2"/>
+          <p:cNvSpPr>
+            <a:spLocks noGrp="1"/>
+          </p:cNvSpPr>
+          <p:nvPr>
+            <p:ph idx="1"/>
+          </p:nvPr>
+        </p:nvSpPr>
+        <p:spPr>
+          <a:xfrm>
+            <a:off x="838200" y="1825625"/>
+            <a:ext cx="10515600" cy="4117975"/>
+          </a:xfrm>
+        </p:spPr>
+        <p:txBody>
+          <a:bodyPr>
+            <a:normAutofit/>
+          </a:bodyPr>
+          <a:lstStyle/>
+          <a:p>
+            <a:r>
+              <a:rPr lang="en-US" dirty="0" err="1" smtClean="0"/>
+              <a:t>Gradle</a:t>
+            </a:r>
+            <a:r>
+              <a:rPr lang="en-US" dirty="0" smtClean="0"/>
+              <a:t> supports the same concepts of repositories, declared dependencies, scopes (dependency configurations in </a:t>
+            </a:r>
+            <a:r>
+              <a:rPr lang="en-US" dirty="0" err="1" smtClean="0"/>
+              <a:t>Gradle</a:t>
+            </a:r>
+            <a:r>
+              <a:rPr lang="en-US" dirty="0" smtClean="0"/>
+              <a:t>), and transitive dependencies</a:t>
+            </a:r>
+          </a:p>
+          <a:p>
+            <a:r>
+              <a:rPr lang="en-US" dirty="0" smtClean="0"/>
+              <a:t>One difference between the two tools is how they manager version conflicts. Maven use  a “closet” match algorithm, whereas </a:t>
+            </a:r>
+            <a:r>
+              <a:rPr lang="en-US" dirty="0" err="1" smtClean="0"/>
+              <a:t>Gradle</a:t>
+            </a:r>
+            <a:r>
+              <a:rPr lang="en-US" dirty="0" smtClean="0"/>
+              <a:t> picks the newest.</a:t>
+            </a:r>
+          </a:p>
+          <a:p>
+            <a:endParaRPr lang="en-US" dirty="0"/>
+          </a:p>
+        </p:txBody>
+      </p:sp>
+      <p:sp>
+        <p:nvSpPr>
+          <p:cNvPr id="4" name="TextBox 3"/>
+          <p:cNvSpPr txBox="1"/>
+          <p:nvPr/>
+        </p:nvSpPr>
+        <p:spPr>
+          <a:xfrm>
+            <a:off x="838201" y="3612995"/>
+            <a:ext cx="10515600" cy="1315844"/>
+          </a:xfrm>
+          <a:prstGeom prst="rect">
+            <a:avLst/>
+          </a:prstGeom>
+          <a:noFill/>
+        </p:spPr>
+        <p:txBody>
+          <a:bodyPr wrap="square" rtlCol="0">
+            <a:spAutoFit/>
+          </a:bodyPr>
+          <a:lstStyle/>
+          <a:p>
+            <a:endParaRPr lang="vi-VN" dirty="0"/>
+          </a:p>
+        </p:txBody>
+      </p:sp>
+    </p:spTree>
+    <p:extLst>
+      <p:ext uri="{BB962C8B-B14F-4D97-AF65-F5344CB8AC3E}">
+        <p14:creationId xmlns:p14="http://schemas.microsoft.com/office/powerpoint/2010/main" val="3803316991"/>
+      </p:ext>
+    </p:extLst>
+  </p:cSld>
+  <p:clrMapOvr>
+    <a:masterClrMapping/>
+  </p:clrMapOvr>
+</p:sld>
+</file>
+
+<file path=ppt/slides/slide16.xml><?xml version="1.0" encoding="utf-8"?>
+<p:sld xmlns:a="http://schemas.openxmlformats.org/drawingml/2006/main" xmlns:r="http://schemas.openxmlformats.org/officeDocument/2006/relationships" xmlns:p="http://schemas.openxmlformats.org/presentationml/2006/main">
+  <p:cSld>
+    <p:spTree>
+      <p:nvGrpSpPr>
+        <p:cNvPr id="1" name=""/>
+        <p:cNvGrpSpPr/>
+        <p:nvPr/>
+      </p:nvGrpSpPr>
+      <p:grpSpPr>
+        <a:xfrm>
+          <a:off x="0" y="0"/>
+          <a:ext cx="0" cy="0"/>
+          <a:chOff x="0" y="0"/>
+          <a:chExt cx="0" cy="0"/>
+        </a:xfrm>
+      </p:grpSpPr>
+      <p:sp>
+        <p:nvSpPr>
+          <p:cNvPr id="2" name="Title 1"/>
+          <p:cNvSpPr>
+            <a:spLocks noGrp="1"/>
+          </p:cNvSpPr>
+          <p:nvPr>
+            <p:ph type="title"/>
+          </p:nvPr>
+        </p:nvSpPr>
+        <p:spPr/>
+        <p:txBody>
+          <a:bodyPr/>
+          <a:lstStyle/>
+          <a:p>
+            <a:r>
+              <a:rPr lang="en-US" dirty="0" smtClean="0"/>
+              <a:t>Declaring dependencies</a:t>
+            </a:r>
+            <a:endParaRPr lang="en-US" dirty="0"/>
+          </a:p>
+        </p:txBody>
+      </p:sp>
+      <p:sp>
+        <p:nvSpPr>
+          <p:cNvPr id="3" name="Content Placeholder 2"/>
+          <p:cNvSpPr>
+            <a:spLocks noGrp="1"/>
+          </p:cNvSpPr>
+          <p:nvPr>
+            <p:ph idx="1"/>
+          </p:nvPr>
+        </p:nvSpPr>
+        <p:spPr>
+          <a:xfrm>
+            <a:off x="838200" y="1825625"/>
+            <a:ext cx="10515600" cy="4117975"/>
+          </a:xfrm>
+        </p:spPr>
+        <p:txBody>
+          <a:bodyPr>
+            <a:normAutofit/>
+          </a:bodyPr>
+          <a:lstStyle/>
+          <a:p>
+            <a:r>
+              <a:rPr lang="en-US" dirty="0" smtClean="0"/>
+              <a:t>Dependency identifier components in Maven: </a:t>
+            </a:r>
+            <a:r>
+              <a:rPr lang="en-US" dirty="0" err="1" smtClean="0"/>
+              <a:t>groupId</a:t>
+            </a:r>
+            <a:r>
+              <a:rPr lang="en-US" dirty="0" smtClean="0"/>
+              <a:t>, </a:t>
+            </a:r>
+            <a:r>
+              <a:rPr lang="en-US" dirty="0" err="1" smtClean="0"/>
+              <a:t>artifactId</a:t>
+            </a:r>
+            <a:r>
+              <a:rPr lang="en-US" dirty="0" smtClean="0"/>
+              <a:t> and version. </a:t>
+            </a:r>
+            <a:r>
+              <a:rPr lang="en-US" dirty="0" err="1" smtClean="0"/>
+              <a:t>Gradle</a:t>
+            </a:r>
+            <a:r>
+              <a:rPr lang="en-US" dirty="0" smtClean="0"/>
+              <a:t> refers to them as group, module and version.</a:t>
+            </a:r>
+            <a:endParaRPr lang="en-US" dirty="0"/>
+          </a:p>
+        </p:txBody>
+      </p:sp>
+      <p:sp>
+        <p:nvSpPr>
+          <p:cNvPr id="7" name="Right Arrow 6"/>
+          <p:cNvSpPr/>
+          <p:nvPr/>
+        </p:nvSpPr>
+        <p:spPr>
+          <a:xfrm>
+            <a:off x="6096000" y="3527772"/>
+            <a:ext cx="591015" cy="713678"/>
+          </a:xfrm>
+          <a:prstGeom prst="rightArrow">
+            <a:avLst/>
+          </a:prstGeom>
+        </p:spPr>
+        <p:style>
+          <a:lnRef idx="2">
+            <a:schemeClr val="accent1">
+              <a:shade val="50000"/>
+            </a:schemeClr>
+          </a:lnRef>
+          <a:fillRef idx="1">
+            <a:schemeClr val="accent1"/>
+          </a:fillRef>
+          <a:effectRef idx="0">
+            <a:schemeClr val="accent1"/>
+          </a:effectRef>
+          <a:fontRef idx="minor">
+            <a:schemeClr val="lt1"/>
+          </a:fontRef>
+        </p:style>
+        <p:txBody>
+          <a:bodyPr rtlCol="0" anchor="ctr"/>
+          <a:lstStyle/>
+          <a:p>
+            <a:pPr algn="ctr"/>
+            <a:endParaRPr lang="vi-VN"/>
+          </a:p>
+        </p:txBody>
+      </p:sp>
+      <p:pic>
+        <p:nvPicPr>
+          <p:cNvPr id="8" name="Picture 7"/>
+          <p:cNvPicPr>
+            <a:picLocks noChangeAspect="1"/>
+          </p:cNvPicPr>
+          <p:nvPr/>
+        </p:nvPicPr>
+        <p:blipFill>
+          <a:blip r:embed="rId2"/>
+          <a:stretch>
+            <a:fillRect/>
+          </a:stretch>
+        </p:blipFill>
+        <p:spPr>
+          <a:xfrm>
+            <a:off x="1224243" y="2994135"/>
+            <a:ext cx="4485714" cy="1780952"/>
+          </a:xfrm>
+          <a:prstGeom prst="rect">
+            <a:avLst/>
+          </a:prstGeom>
+        </p:spPr>
+      </p:pic>
+      <p:pic>
+        <p:nvPicPr>
+          <p:cNvPr id="9" name="Picture 8"/>
+          <p:cNvPicPr>
+            <a:picLocks noChangeAspect="1"/>
+          </p:cNvPicPr>
+          <p:nvPr/>
+        </p:nvPicPr>
+        <p:blipFill>
+          <a:blip r:embed="rId3"/>
+          <a:stretch>
+            <a:fillRect/>
+          </a:stretch>
+        </p:blipFill>
+        <p:spPr>
+          <a:xfrm>
+            <a:off x="6936640" y="3222706"/>
+            <a:ext cx="3190476" cy="1323810"/>
+          </a:xfrm>
+          <a:prstGeom prst="rect">
+            <a:avLst/>
+          </a:prstGeom>
+        </p:spPr>
+      </p:pic>
+      <p:sp>
+        <p:nvSpPr>
+          <p:cNvPr id="10" name="TextBox 9"/>
+          <p:cNvSpPr txBox="1"/>
+          <p:nvPr/>
+        </p:nvSpPr>
+        <p:spPr>
+          <a:xfrm>
+            <a:off x="7036420" y="4650059"/>
+            <a:ext cx="3090696" cy="830997"/>
+          </a:xfrm>
+          <a:prstGeom prst="rect">
+            <a:avLst/>
+          </a:prstGeom>
+          <a:noFill/>
+        </p:spPr>
+        <p:txBody>
+          <a:bodyPr wrap="square" rtlCol="0">
+            <a:spAutoFit/>
+          </a:bodyPr>
+          <a:lstStyle/>
+          <a:p>
+            <a:r>
+              <a:rPr lang="en-US" sz="1200" dirty="0"/>
+              <a:t>d</a:t>
+            </a:r>
+            <a:r>
+              <a:rPr lang="en-US" sz="1200" dirty="0" smtClean="0"/>
+              <a:t>ependencies {</a:t>
+            </a:r>
+          </a:p>
+          <a:p>
+            <a:r>
+              <a:rPr lang="en-US" sz="1200" dirty="0" smtClean="0"/>
+              <a:t>     implementation group: ‘log4j’, name: ‘log4j’, version: ‘1.2.12’</a:t>
+            </a:r>
+          </a:p>
+          <a:p>
+            <a:r>
+              <a:rPr lang="en-US" sz="1200" dirty="0"/>
+              <a:t>}</a:t>
+            </a:r>
+            <a:endParaRPr lang="vi-VN" sz="1200" dirty="0"/>
+          </a:p>
+        </p:txBody>
+      </p:sp>
+    </p:spTree>
+    <p:extLst>
+      <p:ext uri="{BB962C8B-B14F-4D97-AF65-F5344CB8AC3E}">
+        <p14:creationId xmlns:p14="http://schemas.microsoft.com/office/powerpoint/2010/main" val="2949703079"/>
+      </p:ext>
+    </p:extLst>
+  </p:cSld>
+  <p:clrMapOvr>
+    <a:masterClrMapping/>
+  </p:clrMapOvr>
+  <p:timing>
+    <p:tnLst>
+      <p:par>
+        <p:cTn id="1" dur="indefinite" restart="never" nodeType="tmRoot"/>
+      </p:par>
+    </p:tnLst>
+  </p:timing>
+</p:sld>
+</file>
+
+<file path=ppt/slides/slide17.xml><?xml version="1.0" encoding="utf-8"?>
+<p:sld xmlns:a="http://schemas.openxmlformats.org/drawingml/2006/main" xmlns:r="http://schemas.openxmlformats.org/officeDocument/2006/relationships" xmlns:p="http://schemas.openxmlformats.org/presentationml/2006/main">
+  <p:cSld>
+    <p:spTree>
+      <p:nvGrpSpPr>
+        <p:cNvPr id="1" name=""/>
+        <p:cNvGrpSpPr/>
+        <p:nvPr/>
+      </p:nvGrpSpPr>
+      <p:grpSpPr>
+        <a:xfrm>
+          <a:off x="0" y="0"/>
+          <a:ext cx="0" cy="0"/>
+          <a:chOff x="0" y="0"/>
+          <a:chExt cx="0" cy="0"/>
+        </a:xfrm>
+      </p:grpSpPr>
+      <p:sp>
+        <p:nvSpPr>
+          <p:cNvPr id="2" name="Title 1"/>
+          <p:cNvSpPr>
+            <a:spLocks noGrp="1"/>
+          </p:cNvSpPr>
+          <p:nvPr>
+            <p:ph type="title"/>
+          </p:nvPr>
+        </p:nvSpPr>
+        <p:spPr/>
+        <p:txBody>
+          <a:bodyPr/>
+          <a:lstStyle/>
+          <a:p>
+            <a:r>
+              <a:rPr lang="en-US" dirty="0" smtClean="0"/>
+              <a:t>Scopes vs </a:t>
+            </a:r>
+            <a:r>
+              <a:rPr lang="en-US" dirty="0" err="1" smtClean="0"/>
+              <a:t>Standand</a:t>
+            </a:r>
+            <a:r>
+              <a:rPr lang="en-US" dirty="0" smtClean="0"/>
+              <a:t> configurations</a:t>
+            </a:r>
+            <a:endParaRPr lang="en-US" dirty="0"/>
+          </a:p>
+        </p:txBody>
+      </p:sp>
+      <p:sp>
+        <p:nvSpPr>
+          <p:cNvPr id="3" name="Content Placeholder 2"/>
+          <p:cNvSpPr>
+            <a:spLocks noGrp="1"/>
+          </p:cNvSpPr>
+          <p:nvPr>
+            <p:ph idx="1"/>
+          </p:nvPr>
+        </p:nvSpPr>
+        <p:spPr/>
+        <p:txBody>
+          <a:bodyPr>
+            <a:normAutofit/>
+          </a:bodyPr>
+          <a:lstStyle/>
+          <a:p>
+            <a:r>
+              <a:rPr lang="en-US" dirty="0" err="1" smtClean="0"/>
+              <a:t>Gradle</a:t>
+            </a:r>
+            <a:r>
+              <a:rPr lang="en-US" dirty="0" smtClean="0"/>
+              <a:t> distinguishing between the dependencies required to build a module and the dependencies required to be available at runtime.</a:t>
+            </a:r>
+          </a:p>
+          <a:p>
+            <a:r>
+              <a:rPr lang="en-US" dirty="0" smtClean="0"/>
+              <a:t>Maven makes no such distinction, so POMs include dependencies that consumers of a library don’t actually need. </a:t>
+            </a:r>
+          </a:p>
+          <a:p>
+            <a:endParaRPr lang="en-US" dirty="0" smtClean="0"/>
+          </a:p>
+          <a:p>
+            <a:pPr marL="0" indent="0">
+              <a:buNone/>
+            </a:pPr>
+            <a:endParaRPr lang="en-US" dirty="0"/>
+          </a:p>
+        </p:txBody>
+      </p:sp>
+      <p:pic>
+        <p:nvPicPr>
+          <p:cNvPr id="4" name="Picture 3"/>
+          <p:cNvPicPr>
+            <a:picLocks noChangeAspect="1"/>
+          </p:cNvPicPr>
+          <p:nvPr/>
+        </p:nvPicPr>
+        <p:blipFill>
+          <a:blip r:embed="rId2"/>
+          <a:stretch>
+            <a:fillRect/>
+          </a:stretch>
+        </p:blipFill>
+        <p:spPr>
+          <a:xfrm>
+            <a:off x="2271528" y="3615778"/>
+            <a:ext cx="7648944" cy="2561185"/>
+          </a:xfrm>
+          <a:prstGeom prst="rect">
+            <a:avLst/>
+          </a:prstGeom>
+        </p:spPr>
+      </p:pic>
+    </p:spTree>
+    <p:extLst>
+      <p:ext uri="{BB962C8B-B14F-4D97-AF65-F5344CB8AC3E}">
+        <p14:creationId xmlns:p14="http://schemas.microsoft.com/office/powerpoint/2010/main" val="3925079698"/>
+      </p:ext>
+    </p:extLst>
+  </p:cSld>
+  <p:clrMapOvr>
+    <a:masterClrMapping/>
+  </p:clrMapOvr>
+  <p:timing>
+    <p:tnLst>
+      <p:par>
+        <p:cTn id="1" dur="indefinite" restart="never" nodeType="tmRoot"/>
+      </p:par>
+    </p:tnLst>
+  </p:timing>
+</p:sld>
+</file>
+
+<file path=ppt/slides/slide18.xml><?xml version="1.0" encoding="utf-8"?>
+<p:sld xmlns:a="http://schemas.openxmlformats.org/drawingml/2006/main" xmlns:r="http://schemas.openxmlformats.org/officeDocument/2006/relationships" xmlns:p="http://schemas.openxmlformats.org/presentationml/2006/main">
+  <p:cSld>
+    <p:spTree>
+      <p:nvGrpSpPr>
+        <p:cNvPr id="1" name=""/>
+        <p:cNvGrpSpPr/>
+        <p:nvPr/>
+      </p:nvGrpSpPr>
+      <p:grpSpPr>
+        <a:xfrm>
+          <a:off x="0" y="0"/>
+          <a:ext cx="0" cy="0"/>
+          <a:chOff x="0" y="0"/>
+          <a:chExt cx="0" cy="0"/>
+        </a:xfrm>
+      </p:grpSpPr>
+      <p:sp>
+        <p:nvSpPr>
+          <p:cNvPr id="2" name="Title 1"/>
+          <p:cNvSpPr>
+            <a:spLocks noGrp="1"/>
+          </p:cNvSpPr>
+          <p:nvPr>
+            <p:ph type="title"/>
+          </p:nvPr>
+        </p:nvSpPr>
+        <p:spPr/>
+        <p:txBody>
+          <a:bodyPr/>
+          <a:lstStyle/>
+          <a:p>
+            <a:r>
+              <a:rPr lang="en-US" dirty="0" smtClean="0"/>
+              <a:t>Controlling dependency version</a:t>
+            </a:r>
+            <a:endParaRPr lang="en-US" dirty="0"/>
+          </a:p>
+        </p:txBody>
+      </p:sp>
+      <p:sp>
+        <p:nvSpPr>
+          <p:cNvPr id="3" name="Content Placeholder 2"/>
+          <p:cNvSpPr>
+            <a:spLocks noGrp="1"/>
+          </p:cNvSpPr>
+          <p:nvPr>
+            <p:ph idx="1"/>
+          </p:nvPr>
+        </p:nvSpPr>
+        <p:spPr/>
+        <p:txBody>
+          <a:bodyPr>
+            <a:normAutofit/>
+          </a:bodyPr>
+          <a:lstStyle/>
+          <a:p>
+            <a:r>
+              <a:rPr lang="en-US" dirty="0" err="1" smtClean="0"/>
+              <a:t>Gradle</a:t>
+            </a:r>
+            <a:r>
+              <a:rPr lang="en-US" dirty="0" smtClean="0"/>
+              <a:t> pick the newest version of a dependency in the graph, but that’s not always the right solution</a:t>
+            </a:r>
+          </a:p>
+          <a:p>
+            <a:r>
+              <a:rPr lang="en-US" dirty="0" err="1" smtClean="0"/>
+              <a:t>Serveral</a:t>
+            </a:r>
+            <a:r>
+              <a:rPr lang="en-US" dirty="0" smtClean="0"/>
+              <a:t> mechanisms for controlling dependency version</a:t>
+            </a:r>
+          </a:p>
+          <a:p>
+            <a:pPr lvl="1"/>
+            <a:r>
+              <a:rPr lang="en-US" dirty="0" smtClean="0"/>
+              <a:t>Dependency constraints</a:t>
+            </a:r>
+          </a:p>
+          <a:p>
+            <a:pPr lvl="1"/>
+            <a:r>
+              <a:rPr lang="en-US" dirty="0" smtClean="0"/>
+              <a:t>Bills of materials (Maven BOMs)</a:t>
+            </a:r>
+          </a:p>
+          <a:p>
+            <a:pPr lvl="1"/>
+            <a:r>
+              <a:rPr lang="en-US" dirty="0" smtClean="0"/>
+              <a:t>Overriding transitive versions</a:t>
+            </a:r>
+          </a:p>
+          <a:p>
+            <a:r>
+              <a:rPr lang="en-US" dirty="0" smtClean="0"/>
+              <a:t>Excluding transitive dependencies</a:t>
+            </a:r>
+          </a:p>
+          <a:p>
+            <a:r>
+              <a:rPr lang="en-US" dirty="0" smtClean="0"/>
+              <a:t>Handling optional dependencies</a:t>
+            </a:r>
+            <a:endParaRPr lang="en-US" dirty="0"/>
+          </a:p>
+        </p:txBody>
+      </p:sp>
+    </p:spTree>
+    <p:extLst>
+      <p:ext uri="{BB962C8B-B14F-4D97-AF65-F5344CB8AC3E}">
+        <p14:creationId xmlns:p14="http://schemas.microsoft.com/office/powerpoint/2010/main" val="3913587763"/>
+      </p:ext>
+    </p:extLst>
+  </p:cSld>
+  <p:clrMapOvr>
+    <a:masterClrMapping/>
+  </p:clrMapOvr>
+  <p:timing>
+    <p:tnLst>
+      <p:par>
+        <p:cTn id="1" dur="indefinite" restart="never" nodeType="tmRoot"/>
+      </p:par>
+    </p:tnLst>
+  </p:timing>
+</p:sld>
+</file>
+
+<file path=ppt/slides/slide19.xml><?xml version="1.0" encoding="utf-8"?>
+<p:sld xmlns:a="http://schemas.openxmlformats.org/drawingml/2006/main" xmlns:r="http://schemas.openxmlformats.org/officeDocument/2006/relationships" xmlns:p="http://schemas.openxmlformats.org/presentationml/2006/main">
+  <p:cSld>
+    <p:spTree>
+      <p:nvGrpSpPr>
+        <p:cNvPr id="1" name=""/>
+        <p:cNvGrpSpPr/>
+        <p:nvPr/>
+      </p:nvGrpSpPr>
+      <p:grpSpPr>
+        <a:xfrm>
+          <a:off x="0" y="0"/>
+          <a:ext cx="0" cy="0"/>
+          <a:chOff x="0" y="0"/>
+          <a:chExt cx="0" cy="0"/>
+        </a:xfrm>
+      </p:grpSpPr>
+      <p:sp>
+        <p:nvSpPr>
+          <p:cNvPr id="2" name="Title 1"/>
+          <p:cNvSpPr>
+            <a:spLocks noGrp="1"/>
+          </p:cNvSpPr>
+          <p:nvPr>
+            <p:ph type="title"/>
+          </p:nvPr>
+        </p:nvSpPr>
+        <p:spPr/>
+        <p:txBody>
+          <a:bodyPr/>
+          <a:lstStyle/>
+          <a:p>
+            <a:r>
+              <a:rPr lang="en-US" dirty="0" smtClean="0"/>
+              <a:t>Configure integration an function tests</a:t>
+            </a:r>
+            <a:endParaRPr lang="en-US" dirty="0"/>
+          </a:p>
+        </p:txBody>
+      </p:sp>
+      <p:sp>
+        <p:nvSpPr>
+          <p:cNvPr id="3" name="Content Placeholder 2"/>
+          <p:cNvSpPr>
+            <a:spLocks noGrp="1"/>
+          </p:cNvSpPr>
+          <p:nvPr>
+            <p:ph idx="1"/>
+          </p:nvPr>
+        </p:nvSpPr>
+        <p:spPr/>
+        <p:txBody>
+          <a:bodyPr>
+            <a:normAutofit/>
+          </a:bodyPr>
+          <a:lstStyle/>
+          <a:p>
+            <a:r>
+              <a:rPr lang="en-US" dirty="0" smtClean="0"/>
+              <a:t>Many tests can simple be migrated by configuring an extra source set</a:t>
+            </a:r>
+          </a:p>
+          <a:p>
+            <a:r>
+              <a:rPr lang="en-US" dirty="0" smtClean="0"/>
+              <a:t>If using a third-party library, see a suitable community plugin available on the </a:t>
+            </a:r>
+            <a:r>
+              <a:rPr lang="en-US" dirty="0" err="1" smtClean="0"/>
+              <a:t>Gradle</a:t>
+            </a:r>
+            <a:r>
+              <a:rPr lang="en-US" dirty="0" smtClean="0"/>
+              <a:t> Plugin Portal</a:t>
+            </a:r>
+            <a:endParaRPr lang="en-US" dirty="0"/>
+          </a:p>
+        </p:txBody>
+      </p:sp>
+    </p:spTree>
+    <p:extLst>
+      <p:ext uri="{BB962C8B-B14F-4D97-AF65-F5344CB8AC3E}">
+        <p14:creationId xmlns:p14="http://schemas.microsoft.com/office/powerpoint/2010/main" val="1373840160"/>
+      </p:ext>
+    </p:extLst>
+  </p:cSld>
+  <p:clrMapOvr>
+    <a:masterClrMapping/>
+  </p:clrMapOvr>
+  <p:timing>
+    <p:tnLst>
+      <p:par>
+        <p:cTn id="1" dur="indefinite" restart="never" nodeType="tmRoot"/>
+      </p:par>
+    </p:tnLst>
+  </p:timing>
 </p:sld>
 </file>
 
@@ -3286,6 +4514,469 @@
     <p:extLst>
       <p:ext uri="{BB962C8B-B14F-4D97-AF65-F5344CB8AC3E}">
         <p14:creationId xmlns:p14="http://schemas.microsoft.com/office/powerpoint/2010/main" val="3481212553"/>
+      </p:ext>
+    </p:extLst>
+  </p:cSld>
+  <p:clrMapOvr>
+    <a:masterClrMapping/>
+  </p:clrMapOvr>
+</p:sld>
+</file>
+
+<file path=ppt/slides/slide20.xml><?xml version="1.0" encoding="utf-8"?>
+<p:sld xmlns:a="http://schemas.openxmlformats.org/drawingml/2006/main" xmlns:r="http://schemas.openxmlformats.org/officeDocument/2006/relationships" xmlns:p="http://schemas.openxmlformats.org/presentationml/2006/main">
+  <p:cSld>
+    <p:spTree>
+      <p:nvGrpSpPr>
+        <p:cNvPr id="1" name=""/>
+        <p:cNvGrpSpPr/>
+        <p:nvPr/>
+      </p:nvGrpSpPr>
+      <p:grpSpPr>
+        <a:xfrm>
+          <a:off x="0" y="0"/>
+          <a:ext cx="0" cy="0"/>
+          <a:chOff x="0" y="0"/>
+          <a:chExt cx="0" cy="0"/>
+        </a:xfrm>
+      </p:grpSpPr>
+      <p:sp>
+        <p:nvSpPr>
+          <p:cNvPr id="2" name="Title 1"/>
+          <p:cNvSpPr>
+            <a:spLocks noGrp="1"/>
+          </p:cNvSpPr>
+          <p:nvPr>
+            <p:ph type="title"/>
+          </p:nvPr>
+        </p:nvSpPr>
+        <p:spPr/>
+        <p:txBody>
+          <a:bodyPr/>
+          <a:lstStyle/>
+          <a:p>
+            <a:r>
+              <a:rPr lang="en-US" dirty="0" smtClean="0"/>
+              <a:t>Replace Maven plugins with </a:t>
+            </a:r>
+            <a:r>
+              <a:rPr lang="en-US" dirty="0" err="1" smtClean="0"/>
+              <a:t>Gradl</a:t>
+            </a:r>
+            <a:r>
+              <a:rPr lang="en-US" dirty="0" err="1" smtClean="0"/>
+              <a:t>e</a:t>
+            </a:r>
+            <a:r>
+              <a:rPr lang="en-US" dirty="0" smtClean="0"/>
+              <a:t> equivalents</a:t>
+            </a:r>
+            <a:endParaRPr lang="en-US" dirty="0"/>
+          </a:p>
+        </p:txBody>
+      </p:sp>
+      <p:sp>
+        <p:nvSpPr>
+          <p:cNvPr id="3" name="Content Placeholder 2"/>
+          <p:cNvSpPr>
+            <a:spLocks noGrp="1"/>
+          </p:cNvSpPr>
+          <p:nvPr>
+            <p:ph idx="1"/>
+          </p:nvPr>
+        </p:nvSpPr>
+        <p:spPr/>
+        <p:txBody>
+          <a:bodyPr>
+            <a:normAutofit/>
+          </a:bodyPr>
+          <a:lstStyle/>
+          <a:p>
+            <a:r>
+              <a:rPr lang="en-US" dirty="0" smtClean="0"/>
+              <a:t>With popular plugins, </a:t>
+            </a:r>
+            <a:r>
+              <a:rPr lang="en-US" dirty="0" err="1" smtClean="0"/>
+              <a:t>Gralde</a:t>
+            </a:r>
+            <a:r>
+              <a:rPr lang="en-US" dirty="0" smtClean="0"/>
+              <a:t> often has an equivalent plugin that you can use. </a:t>
+            </a:r>
+          </a:p>
+          <a:p>
+            <a:r>
+              <a:rPr lang="en-US" dirty="0" smtClean="0"/>
+              <a:t>As a last resort, </a:t>
+            </a:r>
+            <a:r>
+              <a:rPr lang="en-US" dirty="0" err="1" smtClean="0"/>
+              <a:t>reimplement</a:t>
+            </a:r>
+            <a:r>
+              <a:rPr lang="en-US" dirty="0" smtClean="0"/>
+              <a:t> a Maven plugin via your own custom plugin and task types.</a:t>
+            </a:r>
+            <a:endParaRPr lang="en-US" dirty="0"/>
+          </a:p>
+        </p:txBody>
+      </p:sp>
+    </p:spTree>
+    <p:extLst>
+      <p:ext uri="{BB962C8B-B14F-4D97-AF65-F5344CB8AC3E}">
+        <p14:creationId xmlns:p14="http://schemas.microsoft.com/office/powerpoint/2010/main" val="4074477171"/>
+      </p:ext>
+    </p:extLst>
+  </p:cSld>
+  <p:clrMapOvr>
+    <a:masterClrMapping/>
+  </p:clrMapOvr>
+  <p:timing>
+    <p:tnLst>
+      <p:par>
+        <p:cTn id="1" dur="indefinite" restart="never" nodeType="tmRoot"/>
+      </p:par>
+    </p:tnLst>
+  </p:timing>
+</p:sld>
+</file>
+
+<file path=ppt/slides/slide21.xml><?xml version="1.0" encoding="utf-8"?>
+<p:sld xmlns:a="http://schemas.openxmlformats.org/drawingml/2006/main" xmlns:r="http://schemas.openxmlformats.org/officeDocument/2006/relationships" xmlns:p="http://schemas.openxmlformats.org/presentationml/2006/main">
+  <p:cSld>
+    <p:spTree>
+      <p:nvGrpSpPr>
+        <p:cNvPr id="1" name=""/>
+        <p:cNvGrpSpPr/>
+        <p:nvPr/>
+      </p:nvGrpSpPr>
+      <p:grpSpPr>
+        <a:xfrm>
+          <a:off x="0" y="0"/>
+          <a:ext cx="0" cy="0"/>
+          <a:chOff x="0" y="0"/>
+          <a:chExt cx="0" cy="0"/>
+        </a:xfrm>
+      </p:grpSpPr>
+      <p:sp>
+        <p:nvSpPr>
+          <p:cNvPr id="2" name="Title 1"/>
+          <p:cNvSpPr>
+            <a:spLocks noGrp="1"/>
+          </p:cNvSpPr>
+          <p:nvPr>
+            <p:ph type="title"/>
+          </p:nvPr>
+        </p:nvSpPr>
+        <p:spPr/>
+        <p:txBody>
+          <a:bodyPr/>
+          <a:lstStyle/>
+          <a:p>
+            <a:r>
+              <a:rPr lang="en-US" dirty="0" smtClean="0"/>
+              <a:t>Java 11</a:t>
+            </a:r>
+            <a:endParaRPr lang="en-US" dirty="0"/>
+          </a:p>
+        </p:txBody>
+      </p:sp>
+      <p:sp>
+        <p:nvSpPr>
+          <p:cNvPr id="3" name="Content Placeholder 2"/>
+          <p:cNvSpPr>
+            <a:spLocks noGrp="1"/>
+          </p:cNvSpPr>
+          <p:nvPr>
+            <p:ph idx="1"/>
+          </p:nvPr>
+        </p:nvSpPr>
+        <p:spPr/>
+        <p:txBody>
+          <a:bodyPr/>
+          <a:lstStyle/>
+          <a:p>
+            <a:r>
+              <a:rPr lang="en-US" dirty="0" smtClean="0"/>
+              <a:t>Http Client API</a:t>
+            </a:r>
+          </a:p>
+          <a:p>
+            <a:r>
+              <a:rPr lang="en-US" dirty="0" smtClean="0"/>
+              <a:t>Launch single-file programs without compilation</a:t>
+            </a:r>
+          </a:p>
+          <a:p>
+            <a:r>
+              <a:rPr lang="en-US" dirty="0" smtClean="0"/>
+              <a:t>String API changes</a:t>
+            </a:r>
+          </a:p>
+          <a:p>
+            <a:r>
+              <a:rPr lang="en-US" dirty="0" err="1" smtClean="0"/>
+              <a:t>Collection.toArray</a:t>
+            </a:r>
+            <a:r>
+              <a:rPr lang="en-US" dirty="0" smtClean="0"/>
+              <a:t>(</a:t>
+            </a:r>
+            <a:r>
+              <a:rPr lang="en-US" dirty="0" err="1" smtClean="0"/>
+              <a:t>IntFunction</a:t>
+            </a:r>
+            <a:r>
+              <a:rPr lang="en-US" dirty="0" smtClean="0"/>
+              <a:t>)</a:t>
+            </a:r>
+          </a:p>
+          <a:p>
+            <a:r>
+              <a:rPr lang="en-US" dirty="0" err="1" smtClean="0"/>
+              <a:t>Files.readString</a:t>
+            </a:r>
+            <a:r>
+              <a:rPr lang="en-US" dirty="0" smtClean="0"/>
+              <a:t>() and </a:t>
+            </a:r>
+            <a:r>
+              <a:rPr lang="en-US" dirty="0" err="1" smtClean="0"/>
+              <a:t>Files.writeString</a:t>
+            </a:r>
+            <a:r>
+              <a:rPr lang="en-US" dirty="0" smtClean="0"/>
+              <a:t>()</a:t>
+            </a:r>
+          </a:p>
+          <a:p>
+            <a:r>
+              <a:rPr lang="en-US" dirty="0" err="1" smtClean="0"/>
+              <a:t>Optional.isEmpty</a:t>
+            </a:r>
+            <a:r>
+              <a:rPr lang="en-US" dirty="0" smtClean="0"/>
+              <a:t>()</a:t>
+            </a:r>
+            <a:endParaRPr lang="en-US" dirty="0"/>
+          </a:p>
+        </p:txBody>
+      </p:sp>
+    </p:spTree>
+    <p:extLst>
+      <p:ext uri="{BB962C8B-B14F-4D97-AF65-F5344CB8AC3E}">
+        <p14:creationId xmlns:p14="http://schemas.microsoft.com/office/powerpoint/2010/main" val="2809446038"/>
+      </p:ext>
+    </p:extLst>
+  </p:cSld>
+  <p:clrMapOvr>
+    <a:masterClrMapping/>
+  </p:clrMapOvr>
+  <p:timing>
+    <p:tnLst>
+      <p:par>
+        <p:cTn id="1" dur="indefinite" restart="never" nodeType="tmRoot"/>
+      </p:par>
+    </p:tnLst>
+  </p:timing>
+</p:sld>
+</file>
+
+<file path=ppt/slides/slide22.xml><?xml version="1.0" encoding="utf-8"?>
+<p:sld xmlns:a="http://schemas.openxmlformats.org/drawingml/2006/main" xmlns:r="http://schemas.openxmlformats.org/officeDocument/2006/relationships" xmlns:p="http://schemas.openxmlformats.org/presentationml/2006/main">
+  <p:cSld>
+    <p:spTree>
+      <p:nvGrpSpPr>
+        <p:cNvPr id="1" name=""/>
+        <p:cNvGrpSpPr/>
+        <p:nvPr/>
+      </p:nvGrpSpPr>
+      <p:grpSpPr>
+        <a:xfrm>
+          <a:off x="0" y="0"/>
+          <a:ext cx="0" cy="0"/>
+          <a:chOff x="0" y="0"/>
+          <a:chExt cx="0" cy="0"/>
+        </a:xfrm>
+      </p:grpSpPr>
+      <p:sp>
+        <p:nvSpPr>
+          <p:cNvPr id="2" name="Title 1"/>
+          <p:cNvSpPr>
+            <a:spLocks noGrp="1"/>
+          </p:cNvSpPr>
+          <p:nvPr>
+            <p:ph type="title"/>
+          </p:nvPr>
+        </p:nvSpPr>
+        <p:spPr/>
+        <p:txBody>
+          <a:bodyPr/>
+          <a:lstStyle/>
+          <a:p>
+            <a:endParaRPr lang="vi-VN"/>
+          </a:p>
+        </p:txBody>
+      </p:sp>
+      <p:sp>
+        <p:nvSpPr>
+          <p:cNvPr id="3" name="Content Placeholder 2"/>
+          <p:cNvSpPr>
+            <a:spLocks noGrp="1"/>
+          </p:cNvSpPr>
+          <p:nvPr>
+            <p:ph idx="1"/>
+          </p:nvPr>
+        </p:nvSpPr>
+        <p:spPr/>
+        <p:txBody>
+          <a:bodyPr>
+            <a:normAutofit/>
+          </a:bodyPr>
+          <a:lstStyle/>
+          <a:p>
+            <a:pPr marL="0" indent="0" algn="ctr">
+              <a:lnSpc>
+                <a:spcPct val="200000"/>
+              </a:lnSpc>
+              <a:buNone/>
+            </a:pPr>
+            <a:r>
+              <a:rPr lang="en-US" sz="9600" dirty="0" smtClean="0">
+                <a:latin typeface="Times New Roman" panose="02020603050405020304" pitchFamily="18" charset="0"/>
+                <a:cs typeface="Times New Roman" panose="02020603050405020304" pitchFamily="18" charset="0"/>
+              </a:rPr>
+              <a:t>Q &amp; A</a:t>
+            </a:r>
+            <a:endParaRPr lang="vi-VN" sz="9600" dirty="0">
+              <a:latin typeface="Times New Roman" panose="02020603050405020304" pitchFamily="18" charset="0"/>
+              <a:cs typeface="Times New Roman" panose="02020603050405020304" pitchFamily="18" charset="0"/>
+            </a:endParaRPr>
+          </a:p>
+        </p:txBody>
+      </p:sp>
+    </p:spTree>
+    <p:extLst>
+      <p:ext uri="{BB962C8B-B14F-4D97-AF65-F5344CB8AC3E}">
+        <p14:creationId xmlns:p14="http://schemas.microsoft.com/office/powerpoint/2010/main" val="4017887530"/>
+      </p:ext>
+    </p:extLst>
+  </p:cSld>
+  <p:clrMapOvr>
+    <a:masterClrMapping/>
+  </p:clrMapOvr>
+  <p:timing>
+    <p:tnLst>
+      <p:par>
+        <p:cTn id="1" dur="indefinite" restart="never" nodeType="tmRoot"/>
+      </p:par>
+    </p:tnLst>
+  </p:timing>
+</p:sld>
+</file>
+
+<file path=ppt/slides/slide23.xml><?xml version="1.0" encoding="utf-8"?>
+<p:sld xmlns:a="http://schemas.openxmlformats.org/drawingml/2006/main" xmlns:r="http://schemas.openxmlformats.org/officeDocument/2006/relationships" xmlns:p="http://schemas.openxmlformats.org/presentationml/2006/main">
+  <p:cSld>
+    <p:spTree>
+      <p:nvGrpSpPr>
+        <p:cNvPr id="1" name=""/>
+        <p:cNvGrpSpPr/>
+        <p:nvPr/>
+      </p:nvGrpSpPr>
+      <p:grpSpPr>
+        <a:xfrm>
+          <a:off x="0" y="0"/>
+          <a:ext cx="0" cy="0"/>
+          <a:chOff x="0" y="0"/>
+          <a:chExt cx="0" cy="0"/>
+        </a:xfrm>
+      </p:grpSpPr>
+      <p:sp>
+        <p:nvSpPr>
+          <p:cNvPr id="4" name="Title 3"/>
+          <p:cNvSpPr>
+            <a:spLocks noGrp="1"/>
+          </p:cNvSpPr>
+          <p:nvPr>
+            <p:ph type="title"/>
+          </p:nvPr>
+        </p:nvSpPr>
+        <p:spPr/>
+        <p:txBody>
+          <a:bodyPr/>
+          <a:lstStyle/>
+          <a:p>
+            <a:endParaRPr lang="vi-VN" dirty="0"/>
+          </a:p>
+        </p:txBody>
+      </p:sp>
+      <p:sp>
+        <p:nvSpPr>
+          <p:cNvPr id="5" name="Content Placeholder 4"/>
+          <p:cNvSpPr>
+            <a:spLocks noGrp="1"/>
+          </p:cNvSpPr>
+          <p:nvPr>
+            <p:ph idx="1"/>
+          </p:nvPr>
+        </p:nvSpPr>
+        <p:spPr/>
+        <p:txBody>
+          <a:bodyPr>
+            <a:normAutofit/>
+          </a:bodyPr>
+          <a:lstStyle/>
+          <a:p>
+            <a:pPr marL="0" indent="0" algn="ctr">
+              <a:lnSpc>
+                <a:spcPct val="150000"/>
+              </a:lnSpc>
+              <a:buNone/>
+            </a:pPr>
+            <a:r>
+              <a:rPr lang="en-US" sz="6000" dirty="0" smtClean="0">
+                <a:solidFill>
+                  <a:srgbClr val="FF0000"/>
+                </a:solidFill>
+                <a:latin typeface="Times New Roman" panose="02020603050405020304" pitchFamily="18" charset="0"/>
+                <a:cs typeface="Times New Roman" panose="02020603050405020304" pitchFamily="18" charset="0"/>
+              </a:rPr>
+              <a:t>THANKS FOR</a:t>
+            </a:r>
+          </a:p>
+          <a:p>
+            <a:pPr marL="0" indent="0" algn="ctr">
+              <a:lnSpc>
+                <a:spcPct val="150000"/>
+              </a:lnSpc>
+              <a:buNone/>
+            </a:pPr>
+            <a:r>
+              <a:rPr lang="en-US" sz="6000" dirty="0" smtClean="0">
+                <a:solidFill>
+                  <a:schemeClr val="accent2"/>
+                </a:solidFill>
+                <a:latin typeface="Times New Roman" panose="02020603050405020304" pitchFamily="18" charset="0"/>
+                <a:cs typeface="Times New Roman" panose="02020603050405020304" pitchFamily="18" charset="0"/>
+              </a:rPr>
+              <a:t>LISTENING!</a:t>
+            </a:r>
+            <a:endParaRPr lang="vi-VN" sz="6000" dirty="0">
+              <a:solidFill>
+                <a:schemeClr val="accent2"/>
+              </a:solidFill>
+              <a:latin typeface="Times New Roman" panose="02020603050405020304" pitchFamily="18" charset="0"/>
+              <a:cs typeface="Times New Roman" panose="02020603050405020304" pitchFamily="18" charset="0"/>
+            </a:endParaRPr>
+          </a:p>
+        </p:txBody>
+      </p:sp>
+    </p:spTree>
+    <p:extLst>
+      <p:ext uri="{BB962C8B-B14F-4D97-AF65-F5344CB8AC3E}">
+        <p14:creationId xmlns:p14="http://schemas.microsoft.com/office/powerpoint/2010/main" val="2128962125"/>
       </p:ext>
     </p:extLst>
   </p:cSld>
@@ -4105,171 +5796,157 @@
         <p:spPr/>
         <p:txBody>
           <a:bodyPr>
-            <a:normAutofit fontScale="92500" lnSpcReduction="20000"/>
+            <a:normAutofit/>
           </a:bodyPr>
           <a:lstStyle/>
           <a:p>
-            <a:r>
-              <a:rPr lang="en-US" u="sng" dirty="0">
-                <a:hlinkClick r:id="rId2"/>
+            <a:pPr marL="514350" indent="-514350">
+              <a:buFont typeface="+mj-lt"/>
+              <a:buAutoNum type="arabicPeriod"/>
+            </a:pPr>
+            <a:r>
+              <a:rPr lang="en-US" dirty="0" smtClean="0">
+                <a:latin typeface="Times New Roman" panose="02020603050405020304" pitchFamily="18" charset="0"/>
+                <a:cs typeface="Times New Roman" panose="02020603050405020304" pitchFamily="18" charset="0"/>
               </a:rPr>
               <a:t>Create a build scan for the Maven build</a:t>
             </a:r>
-            <a:r>
-              <a:rPr lang="en-US" dirty="0" smtClean="0"/>
-              <a:t>.</a:t>
-            </a:r>
-          </a:p>
-          <a:p>
-            <a:pPr lvl="1"/>
+            <a:endParaRPr lang="en-US" dirty="0" smtClean="0">
+              <a:latin typeface="Times New Roman" panose="02020603050405020304" pitchFamily="18" charset="0"/>
+              <a:cs typeface="Times New Roman" panose="02020603050405020304" pitchFamily="18" charset="0"/>
+            </a:endParaRPr>
+          </a:p>
+          <a:p>
+            <a:pPr marL="514350" indent="-514350">
+              <a:buFont typeface="+mj-lt"/>
+              <a:buAutoNum type="arabicPeriod"/>
+            </a:pPr>
+            <a:r>
+              <a:rPr lang="en-US" dirty="0" smtClean="0">
+                <a:latin typeface="Times New Roman" panose="02020603050405020304" pitchFamily="18" charset="0"/>
+                <a:cs typeface="Times New Roman" panose="02020603050405020304" pitchFamily="18" charset="0"/>
+              </a:rPr>
+              <a:t>Verify </a:t>
+            </a:r>
+            <a:r>
+              <a:rPr lang="en-US" dirty="0" smtClean="0">
+                <a:latin typeface="Times New Roman" panose="02020603050405020304" pitchFamily="18" charset="0"/>
+                <a:cs typeface="Times New Roman" panose="02020603050405020304" pitchFamily="18" charset="0"/>
+              </a:rPr>
+              <a:t>that </a:t>
+            </a:r>
+            <a:r>
+              <a:rPr lang="en-US" dirty="0">
+                <a:latin typeface="Times New Roman" panose="02020603050405020304" pitchFamily="18" charset="0"/>
+                <a:cs typeface="Times New Roman" panose="02020603050405020304" pitchFamily="18" charset="0"/>
+              </a:rPr>
+              <a:t>the two builds produce the same </a:t>
+            </a:r>
+            <a:r>
+              <a:rPr lang="en-US" dirty="0" smtClean="0">
+                <a:latin typeface="Times New Roman" panose="02020603050405020304" pitchFamily="18" charset="0"/>
+                <a:cs typeface="Times New Roman" panose="02020603050405020304" pitchFamily="18" charset="0"/>
+              </a:rPr>
+              <a:t>artifact</a:t>
+            </a:r>
+          </a:p>
+          <a:p>
+            <a:pPr marL="514350" indent="-514350">
+              <a:buFont typeface="+mj-lt"/>
+              <a:buAutoNum type="arabicPeriod"/>
+            </a:pPr>
+            <a:r>
+              <a:rPr lang="en-US" dirty="0" smtClean="0">
+                <a:latin typeface="Times New Roman" panose="02020603050405020304" pitchFamily="18" charset="0"/>
+                <a:cs typeface="Times New Roman" panose="02020603050405020304" pitchFamily="18" charset="0"/>
+              </a:rPr>
+              <a:t>Run an automatic conversion</a:t>
+            </a:r>
+          </a:p>
+          <a:p>
+            <a:pPr marL="514350" indent="-514350">
+              <a:buFont typeface="+mj-lt"/>
+              <a:buAutoNum type="arabicPeriod"/>
+            </a:pPr>
+            <a:r>
+              <a:rPr lang="en-US" dirty="0" smtClean="0">
+                <a:latin typeface="Times New Roman" panose="02020603050405020304" pitchFamily="18" charset="0"/>
+                <a:cs typeface="Times New Roman" panose="02020603050405020304" pitchFamily="18" charset="0"/>
+              </a:rPr>
+              <a:t>Create a build scan for the </a:t>
+            </a:r>
+            <a:r>
+              <a:rPr lang="en-US" dirty="0" err="1" smtClean="0">
+                <a:latin typeface="Times New Roman" panose="02020603050405020304" pitchFamily="18" charset="0"/>
+                <a:cs typeface="Times New Roman" panose="02020603050405020304" pitchFamily="18" charset="0"/>
+              </a:rPr>
+              <a:t>gradle</a:t>
+            </a:r>
+            <a:r>
+              <a:rPr lang="en-US" dirty="0" smtClean="0">
+                <a:latin typeface="Times New Roman" panose="02020603050405020304" pitchFamily="18" charset="0"/>
+                <a:cs typeface="Times New Roman" panose="02020603050405020304" pitchFamily="18" charset="0"/>
+              </a:rPr>
+              <a:t> build</a:t>
+            </a:r>
+          </a:p>
+          <a:p>
+            <a:pPr marL="514350" indent="-514350">
+              <a:buFont typeface="+mj-lt"/>
+              <a:buAutoNum type="arabicPeriod"/>
+            </a:pPr>
             <a:r>
               <a:rPr lang="en-US" dirty="0"/>
-              <a:t>project structure, what plugins are being used, a timeline of the build steps, and more</a:t>
-            </a:r>
-            <a:r>
-              <a:rPr lang="en-US" dirty="0" smtClean="0"/>
-              <a:t>.</a:t>
-            </a:r>
-          </a:p>
-          <a:p>
-            <a:pPr lvl="1"/>
+              <a:t>Verify your dependencies  and fix any </a:t>
+            </a:r>
+            <a:r>
+              <a:rPr lang="en-US" dirty="0" smtClean="0"/>
+              <a:t>problems</a:t>
+            </a:r>
+          </a:p>
+          <a:p>
+            <a:pPr marL="514350" indent="-514350">
+              <a:buFont typeface="+mj-lt"/>
+              <a:buAutoNum type="arabicPeriod"/>
+            </a:pPr>
             <a:r>
               <a:rPr lang="en-US" dirty="0"/>
-              <a:t>compare it to the </a:t>
+              <a:t>Configure integration and functional </a:t>
+            </a:r>
+            <a:r>
+              <a:rPr lang="en-US" dirty="0" smtClean="0"/>
+              <a:t>tests</a:t>
+            </a:r>
+          </a:p>
+          <a:p>
+            <a:pPr marL="514350" indent="-514350">
+              <a:buFont typeface="+mj-lt"/>
+              <a:buAutoNum type="arabicPeriod"/>
+            </a:pPr>
+            <a:r>
+              <a:rPr lang="en-US" dirty="0"/>
+              <a:t>Replace maven plugins with </a:t>
             </a:r>
             <a:r>
               <a:rPr lang="en-US" dirty="0" err="1"/>
-              <a:t>Gradle</a:t>
+              <a:t>gradle</a:t>
             </a:r>
             <a:r>
               <a:rPr lang="en-US" dirty="0"/>
-              <a:t> build scans you get while converting the </a:t>
-            </a:r>
-            <a:r>
-              <a:rPr lang="en-US" dirty="0" smtClean="0"/>
-              <a:t>project</a:t>
-            </a:r>
-          </a:p>
-          <a:p>
-            <a:r>
-              <a:rPr lang="en-US" dirty="0" smtClean="0"/>
-              <a:t>Verify that </a:t>
-            </a:r>
-            <a:r>
-              <a:rPr lang="en-US" dirty="0"/>
-              <a:t>the two builds produce the same </a:t>
-            </a:r>
-            <a:r>
-              <a:rPr lang="en-US" dirty="0" smtClean="0"/>
-              <a:t>artifact</a:t>
-            </a:r>
-          </a:p>
-          <a:p>
-            <a:pPr lvl="1"/>
-            <a:r>
-              <a:rPr lang="en-US" dirty="0"/>
-              <a:t>F</a:t>
-            </a:r>
-            <a:r>
-              <a:rPr lang="en-US" dirty="0" smtClean="0"/>
-              <a:t>ocus </a:t>
-            </a:r>
-            <a:r>
-              <a:rPr lang="en-US" dirty="0"/>
-              <a:t>on </a:t>
-            </a:r>
-            <a:r>
-              <a:rPr lang="en-US" dirty="0" smtClean="0"/>
-              <a:t>the critical </a:t>
-            </a:r>
-            <a:r>
-              <a:rPr lang="en-US" dirty="0"/>
-              <a:t>output such as final reports and the artifacts that are published or deployed</a:t>
-            </a:r>
-            <a:r>
-              <a:rPr lang="en-US" dirty="0" smtClean="0"/>
-              <a:t>.</a:t>
-            </a:r>
-          </a:p>
-          <a:p>
-            <a:r>
-              <a:rPr lang="en-US" dirty="0">
-                <a:hlinkClick r:id="rId3"/>
-              </a:rPr>
-              <a:t>Run an automatic </a:t>
-            </a:r>
-            <a:r>
-              <a:rPr lang="en-US" dirty="0" smtClean="0">
-                <a:hlinkClick r:id="rId3"/>
-              </a:rPr>
-              <a:t>conversion</a:t>
-            </a:r>
-            <a:endParaRPr lang="en-US" dirty="0" smtClean="0"/>
-          </a:p>
-          <a:p>
-            <a:pPr lvl="1"/>
-            <a:r>
-              <a:rPr lang="en-US" dirty="0"/>
-              <a:t>C</a:t>
-            </a:r>
-            <a:r>
-              <a:rPr lang="en-US" dirty="0" smtClean="0"/>
-              <a:t>reate </a:t>
-            </a:r>
-            <a:r>
-              <a:rPr lang="en-US" dirty="0"/>
-              <a:t>all the </a:t>
-            </a:r>
-            <a:r>
-              <a:rPr lang="en-US" dirty="0" err="1"/>
-              <a:t>Gradle</a:t>
-            </a:r>
-            <a:r>
-              <a:rPr lang="en-US" dirty="0"/>
-              <a:t> build files you </a:t>
-            </a:r>
-            <a:r>
-              <a:rPr lang="en-US" dirty="0" smtClean="0"/>
-              <a:t>need</a:t>
-            </a:r>
+              <a:t> equivalents</a:t>
+            </a:r>
+          </a:p>
+          <a:p>
             <a:endParaRPr lang="en-US" dirty="0"/>
           </a:p>
           <a:p>
-            <a:pPr lvl="1"/>
-            <a:r>
-              <a:rPr lang="en-US" dirty="0" smtClean="0"/>
-              <a:t>Include</a:t>
-            </a:r>
-          </a:p>
-          <a:p>
-            <a:pPr lvl="2"/>
-            <a:r>
-              <a:rPr lang="en-US" dirty="0"/>
-              <a:t>All the custom repositories that are specified in the POM</a:t>
-            </a:r>
-          </a:p>
-          <a:p>
-            <a:pPr lvl="2"/>
-            <a:r>
-              <a:rPr lang="en-US" dirty="0"/>
-              <a:t>Your external and inter-project dependencies</a:t>
-            </a:r>
-          </a:p>
-          <a:p>
-            <a:pPr lvl="2"/>
-            <a:r>
-              <a:rPr lang="en-US" dirty="0" smtClean="0"/>
-              <a:t>The </a:t>
-            </a:r>
-            <a:r>
-              <a:rPr lang="en-US" dirty="0"/>
-              <a:t>appropriate plugins to build the </a:t>
-            </a:r>
-            <a:r>
-              <a:rPr lang="en-US" dirty="0" smtClean="0"/>
-              <a:t>project</a:t>
-            </a:r>
             <a:endParaRPr lang="en-US" dirty="0"/>
+          </a:p>
+          <a:p>
+            <a:endParaRPr lang="en-US" dirty="0" smtClean="0">
+              <a:latin typeface="Times New Roman" panose="02020603050405020304" pitchFamily="18" charset="0"/>
+              <a:cs typeface="Times New Roman" panose="02020603050405020304" pitchFamily="18" charset="0"/>
+            </a:endParaRPr>
           </a:p>
         </p:txBody>
       </p:sp>
@@ -4319,10 +5996,12 @@
           <a:lstStyle/>
           <a:p>
             <a:r>
-              <a:rPr lang="en-US" dirty="0" smtClean="0"/>
-              <a:t>Continue</a:t>
-            </a:r>
-            <a:endParaRPr lang="vi-VN" dirty="0"/>
+              <a:rPr lang="en-US" dirty="0">
+                <a:latin typeface="Times New Roman" panose="02020603050405020304" pitchFamily="18" charset="0"/>
+                <a:cs typeface="Times New Roman" panose="02020603050405020304" pitchFamily="18" charset="0"/>
+              </a:rPr>
+              <a:t>Create a build scan for the Maven build</a:t>
+            </a:r>
           </a:p>
         </p:txBody>
       </p:sp>
@@ -4338,80 +6017,67 @@
         </p:nvSpPr>
         <p:spPr/>
         <p:txBody>
-          <a:bodyPr/>
-          <a:lstStyle/>
-          <a:p>
-            <a:r>
-              <a:rPr lang="en-US" dirty="0" smtClean="0"/>
-              <a:t>Verify your dependencies  and fix any problems</a:t>
+          <a:bodyPr>
+            <a:normAutofit/>
+          </a:bodyPr>
+          <a:lstStyle/>
+          <a:p>
+            <a:r>
+              <a:rPr lang="en-US" dirty="0" smtClean="0"/>
+              <a:t>Visualize what’s happening in your existing Maven build</a:t>
+            </a:r>
+          </a:p>
+          <a:p>
+            <a:r>
+              <a:rPr lang="en-US" dirty="0" smtClean="0"/>
+              <a:t>See the project structure, what plugins are being used, a timeline of the build steps, and more.</a:t>
+            </a:r>
+          </a:p>
+          <a:p>
+            <a:r>
+              <a:rPr lang="en-US" dirty="0" smtClean="0"/>
+              <a:t>Compare it to the </a:t>
+            </a:r>
+            <a:r>
+              <a:rPr lang="en-US" dirty="0" err="1" smtClean="0"/>
+              <a:t>Gradle</a:t>
+            </a:r>
+            <a:r>
+              <a:rPr lang="en-US" dirty="0" smtClean="0"/>
+              <a:t> build scans</a:t>
+            </a:r>
+          </a:p>
+          <a:p>
+            <a:r>
+              <a:rPr lang="vi-VN" dirty="0"/>
+              <a:t> </a:t>
+            </a:r>
+            <a:r>
+              <a:rPr lang="vi-VN" dirty="0" smtClean="0"/>
+              <a:t>Create maven build scan</a:t>
             </a:r>
           </a:p>
           <a:p>
             <a:pPr lvl="1"/>
             <a:r>
-              <a:rPr lang="en-US" dirty="0" smtClean="0"/>
-              <a:t>Declaring dependencies</a:t>
+              <a:rPr lang="vi-VN" dirty="0" smtClean="0"/>
+              <a:t>Declare the gradle enterprise maven extension in .mvn/extensions.xml</a:t>
             </a:r>
           </a:p>
           <a:p>
             <a:pPr lvl="1"/>
             <a:r>
-              <a:rPr lang="en-US" dirty="0" smtClean="0"/>
-              <a:t>Declaring repositories</a:t>
-            </a:r>
-          </a:p>
-          <a:p>
-            <a:pPr lvl="1"/>
-            <a:r>
-              <a:rPr lang="en-US" dirty="0" smtClean="0"/>
-              <a:t>Controlling dependency versions</a:t>
-            </a:r>
-          </a:p>
-          <a:p>
-            <a:pPr lvl="1"/>
-            <a:r>
-              <a:rPr lang="en-US" dirty="0" smtClean="0"/>
-              <a:t>Handling optional </a:t>
-            </a:r>
-            <a:r>
-              <a:rPr lang="en-US" dirty="0" smtClean="0"/>
-              <a:t>dependencies</a:t>
-            </a:r>
-          </a:p>
-          <a:p>
-            <a:r>
-              <a:rPr lang="en-US" dirty="0" smtClean="0"/>
-              <a:t>Configure integration and functional tests</a:t>
-            </a:r>
-          </a:p>
-          <a:p>
-            <a:pPr lvl="1"/>
-            <a:r>
-              <a:rPr lang="en-US" dirty="0" smtClean="0"/>
-              <a:t>Many tests can simply be migrated by configuring an extra source set</a:t>
-            </a:r>
-          </a:p>
-          <a:p>
-            <a:r>
-              <a:rPr lang="en-US" dirty="0" smtClean="0"/>
-              <a:t>Replace maven plugins with </a:t>
-            </a:r>
-            <a:r>
-              <a:rPr lang="en-US" dirty="0" err="1" smtClean="0"/>
-              <a:t>gradle</a:t>
-            </a:r>
-            <a:r>
-              <a:rPr lang="en-US" dirty="0" smtClean="0"/>
-              <a:t> equivalents</a:t>
-            </a:r>
-            <a:endParaRPr lang="en-US" dirty="0"/>
+              <a:rPr lang="vi-VN" dirty="0" smtClean="0"/>
+              <a:t>Mvn install publishing build scans to scans.gradle.com</a:t>
+            </a:r>
+            <a:endParaRPr lang="en-US" dirty="0" smtClean="0"/>
           </a:p>
         </p:txBody>
       </p:sp>
     </p:spTree>
     <p:extLst>
       <p:ext uri="{BB962C8B-B14F-4D97-AF65-F5344CB8AC3E}">
-        <p14:creationId xmlns:p14="http://schemas.microsoft.com/office/powerpoint/2010/main" val="4064873199"/>
+        <p14:creationId xmlns:p14="http://schemas.microsoft.com/office/powerpoint/2010/main" val="3467197705"/>
       </p:ext>
     </p:extLst>
   </p:cSld>
